--- a/Plant Sim, presentation.pptx
+++ b/Plant Sim, presentation.pptx
@@ -1,35 +1,38 @@
 
 <file path=ppt/presentation.xml><?xml version="1.0" encoding="utf-8"?>
-<p:presentation xmlns:a="http://schemas.openxmlformats.org/drawingml/2006/main" xmlns:r="http://schemas.openxmlformats.org/officeDocument/2006/relationships" xmlns:mc="http://schemas.openxmlformats.org/markup-compatibility/2006" xmlns:mv="urn:schemas-microsoft-com:mac:vml" xmlns:p="http://schemas.openxmlformats.org/presentationml/2006/main" xmlns:c="http://schemas.openxmlformats.org/drawingml/2006/chart" xmlns:dgm="http://schemas.openxmlformats.org/drawingml/2006/diagram" xmlns:o="urn:schemas-microsoft-com:office:office" xmlns:v="urn:schemas-microsoft-com:vml" xmlns:pvml="urn:schemas-microsoft-com:office:powerpoint" xmlns:com="http://schemas.openxmlformats.org/drawingml/2006/compatibility" xmlns:p14="http://schemas.microsoft.com/office/powerpoint/2010/main" autoCompressPictures="0" embedTrueTypeFonts="1" strictFirstAndLastChars="0" saveSubsetFonts="1">
+<p:presentation xmlns:a="http://schemas.openxmlformats.org/drawingml/2006/main" xmlns:r="http://schemas.openxmlformats.org/officeDocument/2006/relationships" xmlns:p="http://schemas.openxmlformats.org/presentationml/2006/main" strictFirstAndLastChars="0" embedTrueTypeFonts="1" saveSubsetFonts="1" autoCompressPictures="0">
   <p:sldMasterIdLst>
-    <p:sldMasterId id="2147483659" r:id="rId3"/>
+    <p:sldMasterId id="2147483659" r:id="rId1"/>
   </p:sldMasterIdLst>
   <p:notesMasterIdLst>
-    <p:notesMasterId r:id="rId4"/>
+    <p:notesMasterId r:id="rId9"/>
   </p:notesMasterIdLst>
   <p:sldIdLst>
-    <p:sldId id="256" r:id="rId5"/>
-    <p:sldId id="257" r:id="rId6"/>
-    <p:sldId id="258" r:id="rId7"/>
-    <p:sldId id="259" r:id="rId8"/>
+    <p:sldId id="256" r:id="rId2"/>
+    <p:sldId id="257" r:id="rId3"/>
+    <p:sldId id="258" r:id="rId4"/>
+    <p:sldId id="259" r:id="rId5"/>
+    <p:sldId id="260" r:id="rId6"/>
+    <p:sldId id="261" r:id="rId7"/>
+    <p:sldId id="262" r:id="rId8"/>
   </p:sldIdLst>
-  <p:sldSz cy="5143500" cx="9144000"/>
+  <p:sldSz cx="9144000" cy="5143500" type="screen16x9"/>
   <p:notesSz cx="6858000" cy="9144000"/>
   <p:embeddedFontLst>
     <p:embeddedFont>
-      <p:font typeface="Proxima Nova"/>
-      <p:regular r:id="rId9"/>
-      <p:bold r:id="rId10"/>
-      <p:italic r:id="rId11"/>
-      <p:boldItalic r:id="rId12"/>
+      <p:font typeface="Alfa Slab One" panose="020B0604020202020204" charset="0"/>
+      <p:regular r:id="rId10"/>
     </p:embeddedFont>
     <p:embeddedFont>
-      <p:font typeface="Alfa Slab One"/>
-      <p:regular r:id="rId13"/>
+      <p:font typeface="Proxima Nova" panose="020B0604020202020204" charset="0"/>
+      <p:regular r:id="rId11"/>
+      <p:bold r:id="rId12"/>
+      <p:italic r:id="rId13"/>
+      <p:boldItalic r:id="rId14"/>
     </p:embeddedFont>
   </p:embeddedFontLst>
   <p:defaultTextStyle>
-    <a:defPPr lvl="0" marR="0" rtl="0" algn="l">
+    <a:defPPr marR="0" lvl="0" algn="l" rtl="0">
       <a:lnSpc>
         <a:spcPct val="100000"/>
       </a:lnSpc>
@@ -40,7 +43,7 @@
         <a:spcPts val="0"/>
       </a:spcAft>
     </a:defPPr>
-    <a:lvl1pPr lvl="0" marR="0" rtl="0" algn="l">
+    <a:lvl1pPr marR="0" lvl="0" algn="l" rtl="0">
       <a:lnSpc>
         <a:spcPct val="100000"/>
       </a:lnSpc>
@@ -51,7 +54,7 @@
         <a:spcPts val="0"/>
       </a:spcAft>
       <a:buNone/>
-      <a:defRPr b="0" i="0" sz="1400" u="none" cap="none" strike="noStrike">
+      <a:defRPr sz="1400" b="0" i="0" u="none" strike="noStrike" cap="none">
         <a:solidFill>
           <a:srgbClr val="000000"/>
         </a:solidFill>
@@ -61,7 +64,7 @@
         <a:sym typeface="Arial"/>
       </a:defRPr>
     </a:lvl1pPr>
-    <a:lvl2pPr lvl="1" marR="0" rtl="0" algn="l">
+    <a:lvl2pPr marR="0" lvl="1" algn="l" rtl="0">
       <a:lnSpc>
         <a:spcPct val="100000"/>
       </a:lnSpc>
@@ -72,7 +75,7 @@
         <a:spcPts val="0"/>
       </a:spcAft>
       <a:buNone/>
-      <a:defRPr b="0" i="0" sz="1400" u="none" cap="none" strike="noStrike">
+      <a:defRPr sz="1400" b="0" i="0" u="none" strike="noStrike" cap="none">
         <a:solidFill>
           <a:srgbClr val="000000"/>
         </a:solidFill>
@@ -82,7 +85,7 @@
         <a:sym typeface="Arial"/>
       </a:defRPr>
     </a:lvl2pPr>
-    <a:lvl3pPr lvl="2" marR="0" rtl="0" algn="l">
+    <a:lvl3pPr marR="0" lvl="2" algn="l" rtl="0">
       <a:lnSpc>
         <a:spcPct val="100000"/>
       </a:lnSpc>
@@ -93,7 +96,7 @@
         <a:spcPts val="0"/>
       </a:spcAft>
       <a:buNone/>
-      <a:defRPr b="0" i="0" sz="1400" u="none" cap="none" strike="noStrike">
+      <a:defRPr sz="1400" b="0" i="0" u="none" strike="noStrike" cap="none">
         <a:solidFill>
           <a:srgbClr val="000000"/>
         </a:solidFill>
@@ -103,7 +106,7 @@
         <a:sym typeface="Arial"/>
       </a:defRPr>
     </a:lvl3pPr>
-    <a:lvl4pPr lvl="3" marR="0" rtl="0" algn="l">
+    <a:lvl4pPr marR="0" lvl="3" algn="l" rtl="0">
       <a:lnSpc>
         <a:spcPct val="100000"/>
       </a:lnSpc>
@@ -114,7 +117,7 @@
         <a:spcPts val="0"/>
       </a:spcAft>
       <a:buNone/>
-      <a:defRPr b="0" i="0" sz="1400" u="none" cap="none" strike="noStrike">
+      <a:defRPr sz="1400" b="0" i="0" u="none" strike="noStrike" cap="none">
         <a:solidFill>
           <a:srgbClr val="000000"/>
         </a:solidFill>
@@ -124,7 +127,7 @@
         <a:sym typeface="Arial"/>
       </a:defRPr>
     </a:lvl4pPr>
-    <a:lvl5pPr lvl="4" marR="0" rtl="0" algn="l">
+    <a:lvl5pPr marR="0" lvl="4" algn="l" rtl="0">
       <a:lnSpc>
         <a:spcPct val="100000"/>
       </a:lnSpc>
@@ -135,7 +138,7 @@
         <a:spcPts val="0"/>
       </a:spcAft>
       <a:buNone/>
-      <a:defRPr b="0" i="0" sz="1400" u="none" cap="none" strike="noStrike">
+      <a:defRPr sz="1400" b="0" i="0" u="none" strike="noStrike" cap="none">
         <a:solidFill>
           <a:srgbClr val="000000"/>
         </a:solidFill>
@@ -145,7 +148,7 @@
         <a:sym typeface="Arial"/>
       </a:defRPr>
     </a:lvl5pPr>
-    <a:lvl6pPr lvl="5" marR="0" rtl="0" algn="l">
+    <a:lvl6pPr marR="0" lvl="5" algn="l" rtl="0">
       <a:lnSpc>
         <a:spcPct val="100000"/>
       </a:lnSpc>
@@ -156,7 +159,7 @@
         <a:spcPts val="0"/>
       </a:spcAft>
       <a:buNone/>
-      <a:defRPr b="0" i="0" sz="1400" u="none" cap="none" strike="noStrike">
+      <a:defRPr sz="1400" b="0" i="0" u="none" strike="noStrike" cap="none">
         <a:solidFill>
           <a:srgbClr val="000000"/>
         </a:solidFill>
@@ -166,7 +169,7 @@
         <a:sym typeface="Arial"/>
       </a:defRPr>
     </a:lvl6pPr>
-    <a:lvl7pPr lvl="6" marR="0" rtl="0" algn="l">
+    <a:lvl7pPr marR="0" lvl="6" algn="l" rtl="0">
       <a:lnSpc>
         <a:spcPct val="100000"/>
       </a:lnSpc>
@@ -177,7 +180,7 @@
         <a:spcPts val="0"/>
       </a:spcAft>
       <a:buNone/>
-      <a:defRPr b="0" i="0" sz="1400" u="none" cap="none" strike="noStrike">
+      <a:defRPr sz="1400" b="0" i="0" u="none" strike="noStrike" cap="none">
         <a:solidFill>
           <a:srgbClr val="000000"/>
         </a:solidFill>
@@ -187,7 +190,7 @@
         <a:sym typeface="Arial"/>
       </a:defRPr>
     </a:lvl7pPr>
-    <a:lvl8pPr lvl="7" marR="0" rtl="0" algn="l">
+    <a:lvl8pPr marR="0" lvl="7" algn="l" rtl="0">
       <a:lnSpc>
         <a:spcPct val="100000"/>
       </a:lnSpc>
@@ -198,7 +201,7 @@
         <a:spcPts val="0"/>
       </a:spcAft>
       <a:buNone/>
-      <a:defRPr b="0" i="0" sz="1400" u="none" cap="none" strike="noStrike">
+      <a:defRPr sz="1400" b="0" i="0" u="none" strike="noStrike" cap="none">
         <a:solidFill>
           <a:srgbClr val="000000"/>
         </a:solidFill>
@@ -208,7 +211,7 @@
         <a:sym typeface="Arial"/>
       </a:defRPr>
     </a:lvl8pPr>
-    <a:lvl9pPr lvl="8" marR="0" rtl="0" algn="l">
+    <a:lvl9pPr marR="0" lvl="8" algn="l" rtl="0">
       <a:lnSpc>
         <a:spcPct val="100000"/>
       </a:lnSpc>
@@ -219,7 +222,7 @@
         <a:spcPts val="0"/>
       </a:spcAft>
       <a:buNone/>
-      <a:defRPr b="0" i="0" sz="1400" u="none" cap="none" strike="noStrike">
+      <a:defRPr sz="1400" b="0" i="0" u="none" strike="noStrike" cap="none">
         <a:solidFill>
           <a:srgbClr val="000000"/>
         </a:solidFill>
@@ -234,11 +237,16 @@
 </file>
 
 <file path=ppt/notesMasters/notesMaster1.xml><?xml version="1.0" encoding="utf-8"?>
-<p:notesMaster xmlns:a="http://schemas.openxmlformats.org/drawingml/2006/main" xmlns:r="http://schemas.openxmlformats.org/officeDocument/2006/relationships" xmlns:mc="http://schemas.openxmlformats.org/markup-compatibility/2006" xmlns:mv="urn:schemas-microsoft-com:mac:vml" xmlns:p="http://schemas.openxmlformats.org/presentationml/2006/main" xmlns:c="http://schemas.openxmlformats.org/drawingml/2006/chart" xmlns:dgm="http://schemas.openxmlformats.org/drawingml/2006/diagram" xmlns:o="urn:schemas-microsoft-com:office:office" xmlns:v="urn:schemas-microsoft-com:vml" xmlns:pvml="urn:schemas-microsoft-com:office:powerpoint" xmlns:com="http://schemas.openxmlformats.org/drawingml/2006/compatibility" xmlns:p14="http://schemas.microsoft.com/office/powerpoint/2010/main">
+<p:notesMaster xmlns:a="http://schemas.openxmlformats.org/drawingml/2006/main" xmlns:r="http://schemas.openxmlformats.org/officeDocument/2006/relationships" xmlns:p="http://schemas.openxmlformats.org/presentationml/2006/main">
   <p:cSld>
+    <p:bg>
+      <p:bgRef idx="1001">
+        <a:schemeClr val="bg1"/>
+      </p:bgRef>
+    </p:bg>
     <p:spTree>
       <p:nvGrpSpPr>
-        <p:cNvPr id="2" name="Shape 2"/>
+        <p:cNvPr id="1" name="Shape 2"/>
         <p:cNvGrpSpPr/>
         <p:nvPr/>
       </p:nvGrpSpPr>
@@ -253,9 +261,11 @@
       <p:sp>
         <p:nvSpPr>
           <p:cNvPr id="3" name="Shape 3"/>
-          <p:cNvSpPr/>
+          <p:cNvSpPr>
+            <a:spLocks noGrp="1" noRot="1" noChangeAspect="1"/>
+          </p:cNvSpPr>
           <p:nvPr>
-            <p:ph idx="2" type="sldImg"/>
+            <p:ph type="sldImg" idx="2"/>
           </p:nvPr>
         </p:nvSpPr>
         <p:spPr>
@@ -264,8 +274,13 @@
             <a:ext cx="6096075" cy="3429000"/>
           </a:xfrm>
           <a:custGeom>
+            <a:avLst/>
+            <a:gdLst/>
+            <a:ahLst/>
+            <a:cxnLst/>
+            <a:rect l="0" t="0" r="0" b="0"/>
             <a:pathLst>
-              <a:path extrusionOk="0" h="120000" w="120000">
+              <a:path w="120000" h="120000" extrusionOk="0">
                 <a:moveTo>
                   <a:pt x="0" y="0"/>
                 </a:moveTo>
@@ -283,23 +298,25 @@
             </a:pathLst>
           </a:custGeom>
           <a:noFill/>
-          <a:ln cap="flat" cmpd="sng" w="9525">
+          <a:ln w="9525" cap="flat" cmpd="sng">
             <a:solidFill>
               <a:srgbClr val="000000"/>
             </a:solidFill>
             <a:prstDash val="solid"/>
             <a:round/>
-            <a:headEnd len="med" w="med" type="none"/>
-            <a:tailEnd len="med" w="med" type="none"/>
+            <a:headEnd type="none" w="med" len="med"/>
+            <a:tailEnd type="none" w="med" len="med"/>
           </a:ln>
         </p:spPr>
       </p:sp>
       <p:sp>
         <p:nvSpPr>
           <p:cNvPr id="4" name="Shape 4"/>
-          <p:cNvSpPr txBox="1"/>
+          <p:cNvSpPr txBox="1">
+            <a:spLocks noGrp="1"/>
+          </p:cNvSpPr>
           <p:nvPr>
-            <p:ph idx="1" type="body"/>
+            <p:ph type="body" idx="1"/>
           </p:nvPr>
         </p:nvSpPr>
         <p:spPr>
@@ -316,7 +333,7 @@
           </a:ln>
         </p:spPr>
         <p:txBody>
-          <a:bodyPr anchorCtr="0" anchor="t" bIns="91425" lIns="91425" rIns="91425" tIns="91425"/>
+          <a:bodyPr lIns="91425" tIns="91425" rIns="91425" bIns="91425" anchor="t" anchorCtr="0"/>
           <a:lstStyle>
             <a:lvl1pPr lvl="0">
               <a:spcBef>
@@ -373,21 +390,120 @@
               <a:defRPr sz="1100"/>
             </a:lvl9pPr>
           </a:lstStyle>
-          <a:p/>
+          <a:p>
+            <a:endParaRPr/>
+          </a:p>
         </p:txBody>
       </p:sp>
     </p:spTree>
+    <p:extLst>
+      <p:ext uri="{BB962C8B-B14F-4D97-AF65-F5344CB8AC3E}">
+        <p14:creationId xmlns:p14="http://schemas.microsoft.com/office/powerpoint/2010/main" val="467126187"/>
+      </p:ext>
+    </p:extLst>
   </p:cSld>
-  <p:clrMap accent1="accent1" accent2="accent2" accent3="accent3" accent4="accent4" accent5="accent5" accent6="accent6" bg1="lt1" bg2="dk2" tx1="dk1" tx2="lt2" folHlink="folHlink" hlink="hlink"/>
+  <p:clrMap bg1="lt1" tx1="dk1" bg2="dk2" tx2="lt2" accent1="accent1" accent2="accent2" accent3="accent3" accent4="accent4" accent5="accent5" accent6="accent6" hlink="hlink" folHlink="folHlink"/>
+  <p:notesStyle>
+    <a:lvl1pPr marL="0" algn="l" defTabSz="914400" rtl="0" eaLnBrk="1" latinLnBrk="0" hangingPunct="1">
+      <a:defRPr sz="1200" kern="1200">
+        <a:solidFill>
+          <a:schemeClr val="tx1"/>
+        </a:solidFill>
+        <a:latin typeface="+mn-lt"/>
+        <a:ea typeface="+mn-ea"/>
+        <a:cs typeface="+mn-cs"/>
+      </a:defRPr>
+    </a:lvl1pPr>
+    <a:lvl2pPr marL="457200" algn="l" defTabSz="914400" rtl="0" eaLnBrk="1" latinLnBrk="0" hangingPunct="1">
+      <a:defRPr sz="1200" kern="1200">
+        <a:solidFill>
+          <a:schemeClr val="tx1"/>
+        </a:solidFill>
+        <a:latin typeface="+mn-lt"/>
+        <a:ea typeface="+mn-ea"/>
+        <a:cs typeface="+mn-cs"/>
+      </a:defRPr>
+    </a:lvl2pPr>
+    <a:lvl3pPr marL="914400" algn="l" defTabSz="914400" rtl="0" eaLnBrk="1" latinLnBrk="0" hangingPunct="1">
+      <a:defRPr sz="1200" kern="1200">
+        <a:solidFill>
+          <a:schemeClr val="tx1"/>
+        </a:solidFill>
+        <a:latin typeface="+mn-lt"/>
+        <a:ea typeface="+mn-ea"/>
+        <a:cs typeface="+mn-cs"/>
+      </a:defRPr>
+    </a:lvl3pPr>
+    <a:lvl4pPr marL="1371600" algn="l" defTabSz="914400" rtl="0" eaLnBrk="1" latinLnBrk="0" hangingPunct="1">
+      <a:defRPr sz="1200" kern="1200">
+        <a:solidFill>
+          <a:schemeClr val="tx1"/>
+        </a:solidFill>
+        <a:latin typeface="+mn-lt"/>
+        <a:ea typeface="+mn-ea"/>
+        <a:cs typeface="+mn-cs"/>
+      </a:defRPr>
+    </a:lvl4pPr>
+    <a:lvl5pPr marL="1828800" algn="l" defTabSz="914400" rtl="0" eaLnBrk="1" latinLnBrk="0" hangingPunct="1">
+      <a:defRPr sz="1200" kern="1200">
+        <a:solidFill>
+          <a:schemeClr val="tx1"/>
+        </a:solidFill>
+        <a:latin typeface="+mn-lt"/>
+        <a:ea typeface="+mn-ea"/>
+        <a:cs typeface="+mn-cs"/>
+      </a:defRPr>
+    </a:lvl5pPr>
+    <a:lvl6pPr marL="2286000" algn="l" defTabSz="914400" rtl="0" eaLnBrk="1" latinLnBrk="0" hangingPunct="1">
+      <a:defRPr sz="1200" kern="1200">
+        <a:solidFill>
+          <a:schemeClr val="tx1"/>
+        </a:solidFill>
+        <a:latin typeface="+mn-lt"/>
+        <a:ea typeface="+mn-ea"/>
+        <a:cs typeface="+mn-cs"/>
+      </a:defRPr>
+    </a:lvl6pPr>
+    <a:lvl7pPr marL="2743200" algn="l" defTabSz="914400" rtl="0" eaLnBrk="1" latinLnBrk="0" hangingPunct="1">
+      <a:defRPr sz="1200" kern="1200">
+        <a:solidFill>
+          <a:schemeClr val="tx1"/>
+        </a:solidFill>
+        <a:latin typeface="+mn-lt"/>
+        <a:ea typeface="+mn-ea"/>
+        <a:cs typeface="+mn-cs"/>
+      </a:defRPr>
+    </a:lvl7pPr>
+    <a:lvl8pPr marL="3200400" algn="l" defTabSz="914400" rtl="0" eaLnBrk="1" latinLnBrk="0" hangingPunct="1">
+      <a:defRPr sz="1200" kern="1200">
+        <a:solidFill>
+          <a:schemeClr val="tx1"/>
+        </a:solidFill>
+        <a:latin typeface="+mn-lt"/>
+        <a:ea typeface="+mn-ea"/>
+        <a:cs typeface="+mn-cs"/>
+      </a:defRPr>
+    </a:lvl8pPr>
+    <a:lvl9pPr marL="3657600" algn="l" defTabSz="914400" rtl="0" eaLnBrk="1" latinLnBrk="0" hangingPunct="1">
+      <a:defRPr sz="1200" kern="1200">
+        <a:solidFill>
+          <a:schemeClr val="tx1"/>
+        </a:solidFill>
+        <a:latin typeface="+mn-lt"/>
+        <a:ea typeface="+mn-ea"/>
+        <a:cs typeface="+mn-cs"/>
+      </a:defRPr>
+    </a:lvl9pPr>
+  </p:notesStyle>
 </p:notesMaster>
 </file>
 
 <file path=ppt/notesSlides/notesSlide1.xml><?xml version="1.0" encoding="utf-8"?>
-<p:notes xmlns:a="http://schemas.openxmlformats.org/drawingml/2006/main" xmlns:r="http://schemas.openxmlformats.org/officeDocument/2006/relationships" xmlns:mc="http://schemas.openxmlformats.org/markup-compatibility/2006" xmlns:mv="urn:schemas-microsoft-com:mac:vml" xmlns:p="http://schemas.openxmlformats.org/presentationml/2006/main" xmlns:c="http://schemas.openxmlformats.org/drawingml/2006/chart" xmlns:dgm="http://schemas.openxmlformats.org/drawingml/2006/diagram" xmlns:o="urn:schemas-microsoft-com:office:office" xmlns:v="urn:schemas-microsoft-com:vml" xmlns:pvml="urn:schemas-microsoft-com:office:powerpoint" xmlns:com="http://schemas.openxmlformats.org/drawingml/2006/compatibility" xmlns:p14="http://schemas.microsoft.com/office/powerpoint/2010/main" showMasterPhAnim="0" showMasterSp="0">
+<p:notes xmlns:a="http://schemas.openxmlformats.org/drawingml/2006/main" xmlns:r="http://schemas.openxmlformats.org/officeDocument/2006/relationships" xmlns:p="http://schemas.openxmlformats.org/presentationml/2006/main" showMasterSp="0" showMasterPhAnim="0">
   <p:cSld>
     <p:spTree>
       <p:nvGrpSpPr>
-        <p:cNvPr id="52" name="Shape 52"/>
+        <p:cNvPr id="1" name="Shape 52"/>
         <p:cNvGrpSpPr/>
         <p:nvPr/>
       </p:nvGrpSpPr>
@@ -402,9 +518,11 @@
       <p:sp>
         <p:nvSpPr>
           <p:cNvPr id="53" name="Shape 53"/>
-          <p:cNvSpPr/>
+          <p:cNvSpPr>
+            <a:spLocks noGrp="1" noRot="1" noChangeAspect="1"/>
+          </p:cNvSpPr>
           <p:nvPr>
-            <p:ph idx="2" type="sldImg"/>
+            <p:ph type="sldImg" idx="2"/>
           </p:nvPr>
         </p:nvSpPr>
         <p:spPr>
@@ -413,8 +531,13 @@
             <a:ext cx="6096075" cy="3429000"/>
           </a:xfrm>
           <a:custGeom>
+            <a:avLst/>
+            <a:gdLst/>
+            <a:ahLst/>
+            <a:cxnLst/>
+            <a:rect l="0" t="0" r="0" b="0"/>
             <a:pathLst>
-              <a:path extrusionOk="0" h="120000" w="120000">
+              <a:path w="120000" h="120000" extrusionOk="0">
                 <a:moveTo>
                   <a:pt x="0" y="0"/>
                 </a:moveTo>
@@ -436,9 +559,11 @@
       <p:sp>
         <p:nvSpPr>
           <p:cNvPr id="54" name="Shape 54"/>
-          <p:cNvSpPr txBox="1"/>
+          <p:cNvSpPr txBox="1">
+            <a:spLocks noGrp="1"/>
+          </p:cNvSpPr>
           <p:nvPr>
-            <p:ph idx="1" type="body"/>
+            <p:ph type="body" idx="1"/>
           </p:nvPr>
         </p:nvSpPr>
         <p:spPr>
@@ -451,7 +576,7 @@
           </a:prstGeom>
         </p:spPr>
         <p:txBody>
-          <a:bodyPr anchorCtr="0" anchor="t" bIns="91425" lIns="91425" rIns="91425" tIns="91425">
+          <a:bodyPr lIns="91425" tIns="91425" rIns="91425" bIns="91425" anchor="t" anchorCtr="0">
             <a:noAutofit/>
           </a:bodyPr>
           <a:lstStyle/>
@@ -462,14 +587,16 @@
               </a:spcBef>
               <a:buNone/>
             </a:pPr>
-            <a:r>
-              <a:t/>
-            </a:r>
             <a:endParaRPr/>
           </a:p>
         </p:txBody>
       </p:sp>
     </p:spTree>
+    <p:extLst>
+      <p:ext uri="{BB962C8B-B14F-4D97-AF65-F5344CB8AC3E}">
+        <p14:creationId xmlns:p14="http://schemas.microsoft.com/office/powerpoint/2010/main" val="3358544325"/>
+      </p:ext>
+    </p:extLst>
   </p:cSld>
   <p:clrMapOvr>
     <a:masterClrMapping/>
@@ -478,11 +605,11 @@
 </file>
 
 <file path=ppt/notesSlides/notesSlide2.xml><?xml version="1.0" encoding="utf-8"?>
-<p:notes xmlns:a="http://schemas.openxmlformats.org/drawingml/2006/main" xmlns:r="http://schemas.openxmlformats.org/officeDocument/2006/relationships" xmlns:mc="http://schemas.openxmlformats.org/markup-compatibility/2006" xmlns:mv="urn:schemas-microsoft-com:mac:vml" xmlns:p="http://schemas.openxmlformats.org/presentationml/2006/main" xmlns:c="http://schemas.openxmlformats.org/drawingml/2006/chart" xmlns:dgm="http://schemas.openxmlformats.org/drawingml/2006/diagram" xmlns:o="urn:schemas-microsoft-com:office:office" xmlns:v="urn:schemas-microsoft-com:vml" xmlns:pvml="urn:schemas-microsoft-com:office:powerpoint" xmlns:com="http://schemas.openxmlformats.org/drawingml/2006/compatibility" xmlns:p14="http://schemas.microsoft.com/office/powerpoint/2010/main" showMasterPhAnim="0" showMasterSp="0">
+<p:notes xmlns:a="http://schemas.openxmlformats.org/drawingml/2006/main" xmlns:r="http://schemas.openxmlformats.org/officeDocument/2006/relationships" xmlns:p="http://schemas.openxmlformats.org/presentationml/2006/main" showMasterSp="0" showMasterPhAnim="0">
   <p:cSld>
     <p:spTree>
       <p:nvGrpSpPr>
-        <p:cNvPr id="58" name="Shape 58"/>
+        <p:cNvPr id="1" name="Shape 58"/>
         <p:cNvGrpSpPr/>
         <p:nvPr/>
       </p:nvGrpSpPr>
@@ -497,19 +624,26 @@
       <p:sp>
         <p:nvSpPr>
           <p:cNvPr id="59" name="Shape 59"/>
-          <p:cNvSpPr/>
+          <p:cNvSpPr>
+            <a:spLocks noGrp="1" noRot="1" noChangeAspect="1"/>
+          </p:cNvSpPr>
           <p:nvPr>
-            <p:ph idx="2" type="sldImg"/>
+            <p:ph type="sldImg" idx="2"/>
           </p:nvPr>
         </p:nvSpPr>
         <p:spPr>
           <a:xfrm>
-            <a:off x="381300" y="685800"/>
+            <a:off x="381000" y="685800"/>
             <a:ext cx="6096000" cy="3429000"/>
           </a:xfrm>
           <a:custGeom>
+            <a:avLst/>
+            <a:gdLst/>
+            <a:ahLst/>
+            <a:cxnLst/>
+            <a:rect l="0" t="0" r="0" b="0"/>
             <a:pathLst>
-              <a:path extrusionOk="0" h="120000" w="120000">
+              <a:path w="120000" h="120000" extrusionOk="0">
                 <a:moveTo>
                   <a:pt x="0" y="0"/>
                 </a:moveTo>
@@ -531,9 +665,11 @@
       <p:sp>
         <p:nvSpPr>
           <p:cNvPr id="60" name="Shape 60"/>
-          <p:cNvSpPr txBox="1"/>
+          <p:cNvSpPr txBox="1">
+            <a:spLocks noGrp="1"/>
+          </p:cNvSpPr>
           <p:nvPr>
-            <p:ph idx="1" type="body"/>
+            <p:ph type="body" idx="1"/>
           </p:nvPr>
         </p:nvSpPr>
         <p:spPr>
@@ -546,7 +682,7 @@
           </a:prstGeom>
         </p:spPr>
         <p:txBody>
-          <a:bodyPr anchorCtr="0" anchor="t" bIns="91425" lIns="91425" rIns="91425" tIns="91425">
+          <a:bodyPr lIns="91425" tIns="91425" rIns="91425" bIns="91425" anchor="t" anchorCtr="0">
             <a:noAutofit/>
           </a:bodyPr>
           <a:lstStyle/>
@@ -557,14 +693,16 @@
               </a:spcBef>
               <a:buNone/>
             </a:pPr>
-            <a:r>
-              <a:t/>
-            </a:r>
             <a:endParaRPr/>
           </a:p>
         </p:txBody>
       </p:sp>
     </p:spTree>
+    <p:extLst>
+      <p:ext uri="{BB962C8B-B14F-4D97-AF65-F5344CB8AC3E}">
+        <p14:creationId xmlns:p14="http://schemas.microsoft.com/office/powerpoint/2010/main" val="2297448534"/>
+      </p:ext>
+    </p:extLst>
   </p:cSld>
   <p:clrMapOvr>
     <a:masterClrMapping/>
@@ -573,11 +711,11 @@
 </file>
 
 <file path=ppt/notesSlides/notesSlide3.xml><?xml version="1.0" encoding="utf-8"?>
-<p:notes xmlns:a="http://schemas.openxmlformats.org/drawingml/2006/main" xmlns:r="http://schemas.openxmlformats.org/officeDocument/2006/relationships" xmlns:mc="http://schemas.openxmlformats.org/markup-compatibility/2006" xmlns:mv="urn:schemas-microsoft-com:mac:vml" xmlns:p="http://schemas.openxmlformats.org/presentationml/2006/main" xmlns:c="http://schemas.openxmlformats.org/drawingml/2006/chart" xmlns:dgm="http://schemas.openxmlformats.org/drawingml/2006/diagram" xmlns:o="urn:schemas-microsoft-com:office:office" xmlns:v="urn:schemas-microsoft-com:vml" xmlns:pvml="urn:schemas-microsoft-com:office:powerpoint" xmlns:com="http://schemas.openxmlformats.org/drawingml/2006/compatibility" xmlns:p14="http://schemas.microsoft.com/office/powerpoint/2010/main" showMasterPhAnim="0" showMasterSp="0">
+<p:notes xmlns:a="http://schemas.openxmlformats.org/drawingml/2006/main" xmlns:r="http://schemas.openxmlformats.org/officeDocument/2006/relationships" xmlns:p="http://schemas.openxmlformats.org/presentationml/2006/main" showMasterSp="0" showMasterPhAnim="0">
   <p:cSld>
     <p:spTree>
       <p:nvGrpSpPr>
-        <p:cNvPr id="64" name="Shape 64"/>
+        <p:cNvPr id="1" name="Shape 64"/>
         <p:cNvGrpSpPr/>
         <p:nvPr/>
       </p:nvGrpSpPr>
@@ -592,19 +730,26 @@
       <p:sp>
         <p:nvSpPr>
           <p:cNvPr id="65" name="Shape 65"/>
-          <p:cNvSpPr/>
+          <p:cNvSpPr>
+            <a:spLocks noGrp="1" noRot="1" noChangeAspect="1"/>
+          </p:cNvSpPr>
           <p:nvPr>
-            <p:ph idx="2" type="sldImg"/>
+            <p:ph type="sldImg" idx="2"/>
           </p:nvPr>
         </p:nvSpPr>
         <p:spPr>
           <a:xfrm>
-            <a:off x="381300" y="685800"/>
+            <a:off x="381000" y="685800"/>
             <a:ext cx="6096000" cy="3429000"/>
           </a:xfrm>
           <a:custGeom>
+            <a:avLst/>
+            <a:gdLst/>
+            <a:ahLst/>
+            <a:cxnLst/>
+            <a:rect l="0" t="0" r="0" b="0"/>
             <a:pathLst>
-              <a:path extrusionOk="0" h="120000" w="120000">
+              <a:path w="120000" h="120000" extrusionOk="0">
                 <a:moveTo>
                   <a:pt x="0" y="0"/>
                 </a:moveTo>
@@ -626,9 +771,11 @@
       <p:sp>
         <p:nvSpPr>
           <p:cNvPr id="66" name="Shape 66"/>
-          <p:cNvSpPr txBox="1"/>
+          <p:cNvSpPr txBox="1">
+            <a:spLocks noGrp="1"/>
+          </p:cNvSpPr>
           <p:nvPr>
-            <p:ph idx="1" type="body"/>
+            <p:ph type="body" idx="1"/>
           </p:nvPr>
         </p:nvSpPr>
         <p:spPr>
@@ -641,7 +788,7 @@
           </a:prstGeom>
         </p:spPr>
         <p:txBody>
-          <a:bodyPr anchorCtr="0" anchor="t" bIns="91425" lIns="91425" rIns="91425" tIns="91425">
+          <a:bodyPr lIns="91425" tIns="91425" rIns="91425" bIns="91425" anchor="t" anchorCtr="0">
             <a:noAutofit/>
           </a:bodyPr>
           <a:lstStyle/>
@@ -652,14 +799,16 @@
               </a:spcBef>
               <a:buNone/>
             </a:pPr>
-            <a:r>
-              <a:t/>
-            </a:r>
             <a:endParaRPr/>
           </a:p>
         </p:txBody>
       </p:sp>
     </p:spTree>
+    <p:extLst>
+      <p:ext uri="{BB962C8B-B14F-4D97-AF65-F5344CB8AC3E}">
+        <p14:creationId xmlns:p14="http://schemas.microsoft.com/office/powerpoint/2010/main" val="3572786658"/>
+      </p:ext>
+    </p:extLst>
   </p:cSld>
   <p:clrMapOvr>
     <a:masterClrMapping/>
@@ -668,11 +817,11 @@
 </file>
 
 <file path=ppt/notesSlides/notesSlide4.xml><?xml version="1.0" encoding="utf-8"?>
-<p:notes xmlns:a="http://schemas.openxmlformats.org/drawingml/2006/main" xmlns:r="http://schemas.openxmlformats.org/officeDocument/2006/relationships" xmlns:mc="http://schemas.openxmlformats.org/markup-compatibility/2006" xmlns:mv="urn:schemas-microsoft-com:mac:vml" xmlns:p="http://schemas.openxmlformats.org/presentationml/2006/main" xmlns:c="http://schemas.openxmlformats.org/drawingml/2006/chart" xmlns:dgm="http://schemas.openxmlformats.org/drawingml/2006/diagram" xmlns:o="urn:schemas-microsoft-com:office:office" xmlns:v="urn:schemas-microsoft-com:vml" xmlns:pvml="urn:schemas-microsoft-com:office:powerpoint" xmlns:com="http://schemas.openxmlformats.org/drawingml/2006/compatibility" xmlns:p14="http://schemas.microsoft.com/office/powerpoint/2010/main" showMasterPhAnim="0" showMasterSp="0">
+<p:notes xmlns:a="http://schemas.openxmlformats.org/drawingml/2006/main" xmlns:r="http://schemas.openxmlformats.org/officeDocument/2006/relationships" xmlns:p="http://schemas.openxmlformats.org/presentationml/2006/main" showMasterSp="0" showMasterPhAnim="0">
   <p:cSld>
     <p:spTree>
       <p:nvGrpSpPr>
-        <p:cNvPr id="70" name="Shape 70"/>
+        <p:cNvPr id="1" name="Shape 70"/>
         <p:cNvGrpSpPr/>
         <p:nvPr/>
       </p:nvGrpSpPr>
@@ -687,19 +836,26 @@
       <p:sp>
         <p:nvSpPr>
           <p:cNvPr id="71" name="Shape 71"/>
-          <p:cNvSpPr/>
+          <p:cNvSpPr>
+            <a:spLocks noGrp="1" noRot="1" noChangeAspect="1"/>
+          </p:cNvSpPr>
           <p:nvPr>
-            <p:ph idx="2" type="sldImg"/>
+            <p:ph type="sldImg" idx="2"/>
           </p:nvPr>
         </p:nvSpPr>
         <p:spPr>
           <a:xfrm>
-            <a:off x="381300" y="685800"/>
+            <a:off x="381000" y="685800"/>
             <a:ext cx="6096000" cy="3429000"/>
           </a:xfrm>
           <a:custGeom>
+            <a:avLst/>
+            <a:gdLst/>
+            <a:ahLst/>
+            <a:cxnLst/>
+            <a:rect l="0" t="0" r="0" b="0"/>
             <a:pathLst>
-              <a:path extrusionOk="0" h="120000" w="120000">
+              <a:path w="120000" h="120000" extrusionOk="0">
                 <a:moveTo>
                   <a:pt x="0" y="0"/>
                 </a:moveTo>
@@ -721,9 +877,11 @@
       <p:sp>
         <p:nvSpPr>
           <p:cNvPr id="72" name="Shape 72"/>
-          <p:cNvSpPr txBox="1"/>
+          <p:cNvSpPr txBox="1">
+            <a:spLocks noGrp="1"/>
+          </p:cNvSpPr>
           <p:nvPr>
-            <p:ph idx="1" type="body"/>
+            <p:ph type="body" idx="1"/>
           </p:nvPr>
         </p:nvSpPr>
         <p:spPr>
@@ -736,7 +894,7 @@
           </a:prstGeom>
         </p:spPr>
         <p:txBody>
-          <a:bodyPr anchorCtr="0" anchor="t" bIns="91425" lIns="91425" rIns="91425" tIns="91425">
+          <a:bodyPr lIns="91425" tIns="91425" rIns="91425" bIns="91425" anchor="t" anchorCtr="0">
             <a:noAutofit/>
           </a:bodyPr>
           <a:lstStyle/>
@@ -747,14 +905,16 @@
               </a:spcBef>
               <a:buNone/>
             </a:pPr>
-            <a:r>
-              <a:t/>
-            </a:r>
             <a:endParaRPr/>
           </a:p>
         </p:txBody>
       </p:sp>
     </p:spTree>
+    <p:extLst>
+      <p:ext uri="{BB962C8B-B14F-4D97-AF65-F5344CB8AC3E}">
+        <p14:creationId xmlns:p14="http://schemas.microsoft.com/office/powerpoint/2010/main" val="1780335681"/>
+      </p:ext>
+    </p:extLst>
   </p:cSld>
   <p:clrMapOvr>
     <a:masterClrMapping/>
@@ -763,11 +923,11 @@
 </file>
 
 <file path=ppt/slideLayouts/slideLayout1.xml><?xml version="1.0" encoding="utf-8"?>
-<p:sldLayout xmlns:a="http://schemas.openxmlformats.org/drawingml/2006/main" xmlns:r="http://schemas.openxmlformats.org/officeDocument/2006/relationships" xmlns:mc="http://schemas.openxmlformats.org/markup-compatibility/2006" xmlns:mv="urn:schemas-microsoft-com:mac:vml" xmlns:p="http://schemas.openxmlformats.org/presentationml/2006/main" xmlns:c="http://schemas.openxmlformats.org/drawingml/2006/chart" xmlns:dgm="http://schemas.openxmlformats.org/drawingml/2006/diagram" xmlns:o="urn:schemas-microsoft-com:office:office" xmlns:v="urn:schemas-microsoft-com:vml" xmlns:pvml="urn:schemas-microsoft-com:office:powerpoint" xmlns:com="http://schemas.openxmlformats.org/drawingml/2006/compatibility" xmlns:p14="http://schemas.microsoft.com/office/powerpoint/2010/main" type="title">
+<p:sldLayout xmlns:a="http://schemas.openxmlformats.org/drawingml/2006/main" xmlns:r="http://schemas.openxmlformats.org/officeDocument/2006/relationships" xmlns:p="http://schemas.openxmlformats.org/presentationml/2006/main" type="title">
   <p:cSld name="Title slide">
     <p:spTree>
       <p:nvGrpSpPr>
-        <p:cNvPr id="9" name="Shape 9"/>
+        <p:cNvPr id="1" name="Shape 9"/>
         <p:cNvGrpSpPr/>
         <p:nvPr/>
       </p:nvGrpSpPr>
@@ -794,21 +954,23 @@
             <a:avLst/>
           </a:prstGeom>
           <a:noFill/>
-          <a:ln cap="flat" cmpd="sng" w="76200">
+          <a:ln w="76200" cap="flat" cmpd="sng">
             <a:solidFill>
               <a:schemeClr val="dk1"/>
             </a:solidFill>
             <a:prstDash val="solid"/>
             <a:round/>
-            <a:headEnd len="med" w="med" type="none"/>
-            <a:tailEnd len="med" w="med" type="none"/>
+            <a:headEnd type="none" w="med" len="med"/>
+            <a:tailEnd type="none" w="med" len="med"/>
           </a:ln>
         </p:spPr>
       </p:cxnSp>
       <p:sp>
         <p:nvSpPr>
           <p:cNvPr id="11" name="Shape 11"/>
-          <p:cNvSpPr txBox="1"/>
+          <p:cNvSpPr txBox="1">
+            <a:spLocks noGrp="1"/>
+          </p:cNvSpPr>
           <p:nvPr>
             <p:ph type="ctrTitle"/>
           </p:nvPr>
@@ -823,7 +985,7 @@
           </a:prstGeom>
         </p:spPr>
         <p:txBody>
-          <a:bodyPr anchorCtr="0" anchor="b" bIns="91425" lIns="91425" rIns="91425" tIns="91425"/>
+          <a:bodyPr lIns="91425" tIns="91425" rIns="91425" bIns="91425" anchor="b" anchorCtr="0"/>
           <a:lstStyle>
             <a:lvl1pPr lvl="0" algn="ctr">
               <a:spcBef>
@@ -889,15 +1051,19 @@
               <a:defRPr sz="5400"/>
             </a:lvl9pPr>
           </a:lstStyle>
-          <a:p/>
+          <a:p>
+            <a:endParaRPr/>
+          </a:p>
         </p:txBody>
       </p:sp>
       <p:sp>
         <p:nvSpPr>
           <p:cNvPr id="12" name="Shape 12"/>
-          <p:cNvSpPr txBox="1"/>
+          <p:cNvSpPr txBox="1">
+            <a:spLocks noGrp="1"/>
+          </p:cNvSpPr>
           <p:nvPr>
-            <p:ph idx="1" type="subTitle"/>
+            <p:ph type="subTitle" idx="1"/>
           </p:nvPr>
         </p:nvSpPr>
         <p:spPr>
@@ -910,7 +1076,7 @@
           </a:prstGeom>
         </p:spPr>
         <p:txBody>
-          <a:bodyPr anchorCtr="0" anchor="t" bIns="91425" lIns="91425" rIns="91425" tIns="91425"/>
+          <a:bodyPr lIns="91425" tIns="91425" rIns="91425" bIns="91425" anchor="t" anchorCtr="0"/>
           <a:lstStyle>
             <a:lvl1pPr lvl="0" algn="ctr">
               <a:lnSpc>
@@ -1039,15 +1205,19 @@
               <a:defRPr sz="2400"/>
             </a:lvl9pPr>
           </a:lstStyle>
-          <a:p/>
+          <a:p>
+            <a:endParaRPr/>
+          </a:p>
         </p:txBody>
       </p:sp>
       <p:sp>
         <p:nvSpPr>
           <p:cNvPr id="13" name="Shape 13"/>
-          <p:cNvSpPr txBox="1"/>
+          <p:cNvSpPr txBox="1">
+            <a:spLocks noGrp="1"/>
+          </p:cNvSpPr>
           <p:nvPr>
-            <p:ph idx="12" type="sldNum"/>
+            <p:ph type="sldNum" idx="12"/>
           </p:nvPr>
         </p:nvSpPr>
         <p:spPr>
@@ -1060,7 +1230,7 @@
           </a:prstGeom>
         </p:spPr>
         <p:txBody>
-          <a:bodyPr anchorCtr="0" anchor="ctr" bIns="91425" lIns="91425" rIns="91425" tIns="91425">
+          <a:bodyPr lIns="91425" tIns="91425" rIns="91425" bIns="91425" anchor="ctr" anchorCtr="0">
             <a:noAutofit/>
           </a:bodyPr>
           <a:lstStyle/>
@@ -1075,6 +1245,7 @@
               <a:rPr lang="en"/>
               <a:t>‹#›</a:t>
             </a:fld>
+            <a:endParaRPr lang="en"/>
           </a:p>
         </p:txBody>
       </p:sp>
@@ -1087,11 +1258,11 @@
 </file>
 
 <file path=ppt/slideLayouts/slideLayout10.xml><?xml version="1.0" encoding="utf-8"?>
-<p:sldLayout xmlns:a="http://schemas.openxmlformats.org/drawingml/2006/main" xmlns:r="http://schemas.openxmlformats.org/officeDocument/2006/relationships" xmlns:mc="http://schemas.openxmlformats.org/markup-compatibility/2006" xmlns:mv="urn:schemas-microsoft-com:mac:vml" xmlns:p="http://schemas.openxmlformats.org/presentationml/2006/main" xmlns:c="http://schemas.openxmlformats.org/drawingml/2006/chart" xmlns:dgm="http://schemas.openxmlformats.org/drawingml/2006/diagram" xmlns:o="urn:schemas-microsoft-com:office:office" xmlns:v="urn:schemas-microsoft-com:vml" xmlns:pvml="urn:schemas-microsoft-com:office:powerpoint" xmlns:com="http://schemas.openxmlformats.org/drawingml/2006/compatibility" xmlns:p14="http://schemas.microsoft.com/office/powerpoint/2010/main">
+<p:sldLayout xmlns:a="http://schemas.openxmlformats.org/drawingml/2006/main" xmlns:r="http://schemas.openxmlformats.org/officeDocument/2006/relationships" xmlns:p="http://schemas.openxmlformats.org/presentationml/2006/main">
   <p:cSld name="Big number">
     <p:spTree>
       <p:nvGrpSpPr>
-        <p:cNvPr id="46" name="Shape 46"/>
+        <p:cNvPr id="1" name="Shape 46"/>
         <p:cNvGrpSpPr/>
         <p:nvPr/>
       </p:nvGrpSpPr>
@@ -1106,7 +1277,9 @@
       <p:sp>
         <p:nvSpPr>
           <p:cNvPr id="47" name="Shape 47"/>
-          <p:cNvSpPr txBox="1"/>
+          <p:cNvSpPr txBox="1">
+            <a:spLocks noGrp="1"/>
+          </p:cNvSpPr>
           <p:nvPr>
             <p:ph type="title"/>
           </p:nvPr>
@@ -1121,7 +1294,7 @@
           </a:prstGeom>
         </p:spPr>
         <p:txBody>
-          <a:bodyPr anchorCtr="0" anchor="ctr" bIns="91425" lIns="91425" rIns="91425" tIns="91425"/>
+          <a:bodyPr lIns="91425" tIns="91425" rIns="91425" bIns="91425" anchor="ctr" anchorCtr="0"/>
           <a:lstStyle>
             <a:lvl1pPr lvl="0" algn="ctr">
               <a:spcBef>
@@ -1250,15 +1423,19 @@
               </a:defRPr>
             </a:lvl9pPr>
           </a:lstStyle>
-          <a:p/>
+          <a:p>
+            <a:endParaRPr/>
+          </a:p>
         </p:txBody>
       </p:sp>
       <p:sp>
         <p:nvSpPr>
           <p:cNvPr id="48" name="Shape 48"/>
-          <p:cNvSpPr txBox="1"/>
+          <p:cNvSpPr txBox="1">
+            <a:spLocks noGrp="1"/>
+          </p:cNvSpPr>
           <p:nvPr>
-            <p:ph idx="1" type="body"/>
+            <p:ph type="body" idx="1"/>
           </p:nvPr>
         </p:nvSpPr>
         <p:spPr>
@@ -1271,7 +1448,7 @@
           </a:prstGeom>
         </p:spPr>
         <p:txBody>
-          <a:bodyPr anchorCtr="0" anchor="t" bIns="91425" lIns="91425" rIns="91425" tIns="91425"/>
+          <a:bodyPr lIns="91425" tIns="91425" rIns="91425" bIns="91425" anchor="t" anchorCtr="0"/>
           <a:lstStyle>
             <a:lvl1pPr lvl="0" algn="ctr">
               <a:spcBef>
@@ -1328,15 +1505,19 @@
               <a:defRPr/>
             </a:lvl9pPr>
           </a:lstStyle>
-          <a:p/>
+          <a:p>
+            <a:endParaRPr/>
+          </a:p>
         </p:txBody>
       </p:sp>
       <p:sp>
         <p:nvSpPr>
           <p:cNvPr id="49" name="Shape 49"/>
-          <p:cNvSpPr txBox="1"/>
+          <p:cNvSpPr txBox="1">
+            <a:spLocks noGrp="1"/>
+          </p:cNvSpPr>
           <p:nvPr>
-            <p:ph idx="12" type="sldNum"/>
+            <p:ph type="sldNum" idx="12"/>
           </p:nvPr>
         </p:nvSpPr>
         <p:spPr>
@@ -1349,7 +1530,7 @@
           </a:prstGeom>
         </p:spPr>
         <p:txBody>
-          <a:bodyPr anchorCtr="0" anchor="ctr" bIns="91425" lIns="91425" rIns="91425" tIns="91425">
+          <a:bodyPr lIns="91425" tIns="91425" rIns="91425" bIns="91425" anchor="ctr" anchorCtr="0">
             <a:noAutofit/>
           </a:bodyPr>
           <a:lstStyle/>
@@ -1364,6 +1545,7 @@
               <a:rPr lang="en"/>
               <a:t>‹#›</a:t>
             </a:fld>
+            <a:endParaRPr lang="en"/>
           </a:p>
         </p:txBody>
       </p:sp>
@@ -1376,11 +1558,11 @@
 </file>
 
 <file path=ppt/slideLayouts/slideLayout11.xml><?xml version="1.0" encoding="utf-8"?>
-<p:sldLayout xmlns:a="http://schemas.openxmlformats.org/drawingml/2006/main" xmlns:r="http://schemas.openxmlformats.org/officeDocument/2006/relationships" xmlns:mc="http://schemas.openxmlformats.org/markup-compatibility/2006" xmlns:mv="urn:schemas-microsoft-com:mac:vml" xmlns:p="http://schemas.openxmlformats.org/presentationml/2006/main" xmlns:c="http://schemas.openxmlformats.org/drawingml/2006/chart" xmlns:dgm="http://schemas.openxmlformats.org/drawingml/2006/diagram" xmlns:o="urn:schemas-microsoft-com:office:office" xmlns:v="urn:schemas-microsoft-com:vml" xmlns:pvml="urn:schemas-microsoft-com:office:powerpoint" xmlns:com="http://schemas.openxmlformats.org/drawingml/2006/compatibility" xmlns:p14="http://schemas.microsoft.com/office/powerpoint/2010/main" type="blank">
+<p:sldLayout xmlns:a="http://schemas.openxmlformats.org/drawingml/2006/main" xmlns:r="http://schemas.openxmlformats.org/officeDocument/2006/relationships" xmlns:p="http://schemas.openxmlformats.org/presentationml/2006/main" type="blank">
   <p:cSld name="Blank">
     <p:spTree>
       <p:nvGrpSpPr>
-        <p:cNvPr id="50" name="Shape 50"/>
+        <p:cNvPr id="1" name="Shape 50"/>
         <p:cNvGrpSpPr/>
         <p:nvPr/>
       </p:nvGrpSpPr>
@@ -1395,9 +1577,11 @@
       <p:sp>
         <p:nvSpPr>
           <p:cNvPr id="51" name="Shape 51"/>
-          <p:cNvSpPr txBox="1"/>
+          <p:cNvSpPr txBox="1">
+            <a:spLocks noGrp="1"/>
+          </p:cNvSpPr>
           <p:nvPr>
-            <p:ph idx="12" type="sldNum"/>
+            <p:ph type="sldNum" idx="12"/>
           </p:nvPr>
         </p:nvSpPr>
         <p:spPr>
@@ -1410,7 +1594,7 @@
           </a:prstGeom>
         </p:spPr>
         <p:txBody>
-          <a:bodyPr anchorCtr="0" anchor="ctr" bIns="91425" lIns="91425" rIns="91425" tIns="91425">
+          <a:bodyPr lIns="91425" tIns="91425" rIns="91425" bIns="91425" anchor="ctr" anchorCtr="0">
             <a:noAutofit/>
           </a:bodyPr>
           <a:lstStyle/>
@@ -1425,6 +1609,7 @@
               <a:rPr lang="en"/>
               <a:t>‹#›</a:t>
             </a:fld>
+            <a:endParaRPr lang="en"/>
           </a:p>
         </p:txBody>
       </p:sp>
@@ -1437,18 +1622,19 @@
 </file>
 
 <file path=ppt/slideLayouts/slideLayout2.xml><?xml version="1.0" encoding="utf-8"?>
-<p:sldLayout xmlns:a="http://schemas.openxmlformats.org/drawingml/2006/main" xmlns:r="http://schemas.openxmlformats.org/officeDocument/2006/relationships" xmlns:mc="http://schemas.openxmlformats.org/markup-compatibility/2006" xmlns:mv="urn:schemas-microsoft-com:mac:vml" xmlns:p="http://schemas.openxmlformats.org/presentationml/2006/main" xmlns:c="http://schemas.openxmlformats.org/drawingml/2006/chart" xmlns:dgm="http://schemas.openxmlformats.org/drawingml/2006/diagram" xmlns:o="urn:schemas-microsoft-com:office:office" xmlns:v="urn:schemas-microsoft-com:vml" xmlns:pvml="urn:schemas-microsoft-com:office:powerpoint" xmlns:com="http://schemas.openxmlformats.org/drawingml/2006/compatibility" xmlns:p14="http://schemas.microsoft.com/office/powerpoint/2010/main" type="secHead">
+<p:sldLayout xmlns:a="http://schemas.openxmlformats.org/drawingml/2006/main" xmlns:r="http://schemas.openxmlformats.org/officeDocument/2006/relationships" xmlns:p="http://schemas.openxmlformats.org/presentationml/2006/main" type="secHead">
   <p:cSld name="Section header">
     <p:bg>
       <p:bgPr>
         <a:solidFill>
           <a:schemeClr val="dk1"/>
         </a:solidFill>
+        <a:effectLst/>
       </p:bgPr>
     </p:bg>
     <p:spTree>
       <p:nvGrpSpPr>
-        <p:cNvPr id="14" name="Shape 14"/>
+        <p:cNvPr id="1" name="Shape 14"/>
         <p:cNvGrpSpPr/>
         <p:nvPr/>
       </p:nvGrpSpPr>
@@ -1463,7 +1649,9 @@
       <p:sp>
         <p:nvSpPr>
           <p:cNvPr id="15" name="Shape 15"/>
-          <p:cNvSpPr txBox="1"/>
+          <p:cNvSpPr txBox="1">
+            <a:spLocks noGrp="1"/>
+          </p:cNvSpPr>
           <p:nvPr>
             <p:ph type="title"/>
           </p:nvPr>
@@ -1478,7 +1666,7 @@
           </a:prstGeom>
         </p:spPr>
         <p:txBody>
-          <a:bodyPr anchorCtr="0" anchor="b" bIns="91425" lIns="91425" rIns="91425" tIns="91425"/>
+          <a:bodyPr lIns="91425" tIns="91425" rIns="91425" bIns="91425" anchor="b" anchorCtr="0"/>
           <a:lstStyle>
             <a:lvl1pPr lvl="0">
               <a:spcBef>
@@ -1607,15 +1795,19 @@
               </a:defRPr>
             </a:lvl9pPr>
           </a:lstStyle>
-          <a:p/>
+          <a:p>
+            <a:endParaRPr/>
+          </a:p>
         </p:txBody>
       </p:sp>
       <p:sp>
         <p:nvSpPr>
           <p:cNvPr id="16" name="Shape 16"/>
-          <p:cNvSpPr txBox="1"/>
+          <p:cNvSpPr txBox="1">
+            <a:spLocks noGrp="1"/>
+          </p:cNvSpPr>
           <p:nvPr>
-            <p:ph idx="12" type="sldNum"/>
+            <p:ph type="sldNum" idx="12"/>
           </p:nvPr>
         </p:nvSpPr>
         <p:spPr>
@@ -1628,7 +1820,7 @@
           </a:prstGeom>
         </p:spPr>
         <p:txBody>
-          <a:bodyPr anchorCtr="0" anchor="ctr" bIns="91425" lIns="91425" rIns="91425" tIns="91425">
+          <a:bodyPr lIns="91425" tIns="91425" rIns="91425" bIns="91425" anchor="ctr" anchorCtr="0">
             <a:noAutofit/>
           </a:bodyPr>
           <a:lstStyle/>
@@ -1647,6 +1839,11 @@
               </a:rPr>
               <a:t>‹#›</a:t>
             </a:fld>
+            <a:endParaRPr lang="en">
+              <a:solidFill>
+                <a:schemeClr val="lt1"/>
+              </a:solidFill>
+            </a:endParaRPr>
           </a:p>
         </p:txBody>
       </p:sp>
@@ -1659,11 +1856,11 @@
 </file>
 
 <file path=ppt/slideLayouts/slideLayout3.xml><?xml version="1.0" encoding="utf-8"?>
-<p:sldLayout xmlns:a="http://schemas.openxmlformats.org/drawingml/2006/main" xmlns:r="http://schemas.openxmlformats.org/officeDocument/2006/relationships" xmlns:mc="http://schemas.openxmlformats.org/markup-compatibility/2006" xmlns:mv="urn:schemas-microsoft-com:mac:vml" xmlns:p="http://schemas.openxmlformats.org/presentationml/2006/main" xmlns:c="http://schemas.openxmlformats.org/drawingml/2006/chart" xmlns:dgm="http://schemas.openxmlformats.org/drawingml/2006/diagram" xmlns:o="urn:schemas-microsoft-com:office:office" xmlns:v="urn:schemas-microsoft-com:vml" xmlns:pvml="urn:schemas-microsoft-com:office:powerpoint" xmlns:com="http://schemas.openxmlformats.org/drawingml/2006/compatibility" xmlns:p14="http://schemas.microsoft.com/office/powerpoint/2010/main" type="tx">
+<p:sldLayout xmlns:a="http://schemas.openxmlformats.org/drawingml/2006/main" xmlns:r="http://schemas.openxmlformats.org/officeDocument/2006/relationships" xmlns:p="http://schemas.openxmlformats.org/presentationml/2006/main" type="tx">
   <p:cSld name="Title and body">
     <p:spTree>
       <p:nvGrpSpPr>
-        <p:cNvPr id="17" name="Shape 17"/>
+        <p:cNvPr id="1" name="Shape 17"/>
         <p:cNvGrpSpPr/>
         <p:nvPr/>
       </p:nvGrpSpPr>
@@ -1678,7 +1875,9 @@
       <p:sp>
         <p:nvSpPr>
           <p:cNvPr id="18" name="Shape 18"/>
-          <p:cNvSpPr txBox="1"/>
+          <p:cNvSpPr txBox="1">
+            <a:spLocks noGrp="1"/>
+          </p:cNvSpPr>
           <p:nvPr>
             <p:ph type="title"/>
           </p:nvPr>
@@ -1693,7 +1892,7 @@
           </a:prstGeom>
         </p:spPr>
         <p:txBody>
-          <a:bodyPr anchorCtr="0" anchor="t" bIns="91425" lIns="91425" rIns="91425" tIns="91425"/>
+          <a:bodyPr lIns="91425" tIns="91425" rIns="91425" bIns="91425" anchor="t" anchorCtr="0"/>
           <a:lstStyle>
             <a:lvl1pPr lvl="0">
               <a:spcBef>
@@ -1750,15 +1949,19 @@
               <a:defRPr/>
             </a:lvl9pPr>
           </a:lstStyle>
-          <a:p/>
+          <a:p>
+            <a:endParaRPr/>
+          </a:p>
         </p:txBody>
       </p:sp>
       <p:sp>
         <p:nvSpPr>
           <p:cNvPr id="19" name="Shape 19"/>
-          <p:cNvSpPr txBox="1"/>
+          <p:cNvSpPr txBox="1">
+            <a:spLocks noGrp="1"/>
+          </p:cNvSpPr>
           <p:nvPr>
-            <p:ph idx="1" type="body"/>
+            <p:ph type="body" idx="1"/>
           </p:nvPr>
         </p:nvSpPr>
         <p:spPr>
@@ -1771,7 +1974,7 @@
           </a:prstGeom>
         </p:spPr>
         <p:txBody>
-          <a:bodyPr anchorCtr="0" anchor="t" bIns="91425" lIns="91425" rIns="91425" tIns="91425"/>
+          <a:bodyPr lIns="91425" tIns="91425" rIns="91425" bIns="91425" anchor="t" anchorCtr="0"/>
           <a:lstStyle>
             <a:lvl1pPr lvl="0">
               <a:spcBef>
@@ -1828,15 +2031,19 @@
               <a:defRPr/>
             </a:lvl9pPr>
           </a:lstStyle>
-          <a:p/>
+          <a:p>
+            <a:endParaRPr/>
+          </a:p>
         </p:txBody>
       </p:sp>
       <p:sp>
         <p:nvSpPr>
           <p:cNvPr id="20" name="Shape 20"/>
-          <p:cNvSpPr txBox="1"/>
+          <p:cNvSpPr txBox="1">
+            <a:spLocks noGrp="1"/>
+          </p:cNvSpPr>
           <p:nvPr>
-            <p:ph idx="12" type="sldNum"/>
+            <p:ph type="sldNum" idx="12"/>
           </p:nvPr>
         </p:nvSpPr>
         <p:spPr>
@@ -1849,7 +2056,7 @@
           </a:prstGeom>
         </p:spPr>
         <p:txBody>
-          <a:bodyPr anchorCtr="0" anchor="ctr" bIns="91425" lIns="91425" rIns="91425" tIns="91425">
+          <a:bodyPr lIns="91425" tIns="91425" rIns="91425" bIns="91425" anchor="ctr" anchorCtr="0">
             <a:noAutofit/>
           </a:bodyPr>
           <a:lstStyle/>
@@ -1864,6 +2071,7 @@
               <a:rPr lang="en"/>
               <a:t>‹#›</a:t>
             </a:fld>
+            <a:endParaRPr lang="en"/>
           </a:p>
         </p:txBody>
       </p:sp>
@@ -1876,11 +2084,11 @@
 </file>
 
 <file path=ppt/slideLayouts/slideLayout4.xml><?xml version="1.0" encoding="utf-8"?>
-<p:sldLayout xmlns:a="http://schemas.openxmlformats.org/drawingml/2006/main" xmlns:r="http://schemas.openxmlformats.org/officeDocument/2006/relationships" xmlns:mc="http://schemas.openxmlformats.org/markup-compatibility/2006" xmlns:mv="urn:schemas-microsoft-com:mac:vml" xmlns:p="http://schemas.openxmlformats.org/presentationml/2006/main" xmlns:c="http://schemas.openxmlformats.org/drawingml/2006/chart" xmlns:dgm="http://schemas.openxmlformats.org/drawingml/2006/diagram" xmlns:o="urn:schemas-microsoft-com:office:office" xmlns:v="urn:schemas-microsoft-com:vml" xmlns:pvml="urn:schemas-microsoft-com:office:powerpoint" xmlns:com="http://schemas.openxmlformats.org/drawingml/2006/compatibility" xmlns:p14="http://schemas.microsoft.com/office/powerpoint/2010/main" type="twoColTx">
+<p:sldLayout xmlns:a="http://schemas.openxmlformats.org/drawingml/2006/main" xmlns:r="http://schemas.openxmlformats.org/officeDocument/2006/relationships" xmlns:p="http://schemas.openxmlformats.org/presentationml/2006/main" type="twoColTx">
   <p:cSld name="Title and two columns">
     <p:spTree>
       <p:nvGrpSpPr>
-        <p:cNvPr id="21" name="Shape 21"/>
+        <p:cNvPr id="1" name="Shape 21"/>
         <p:cNvGrpSpPr/>
         <p:nvPr/>
       </p:nvGrpSpPr>
@@ -1895,7 +2103,9 @@
       <p:sp>
         <p:nvSpPr>
           <p:cNvPr id="22" name="Shape 22"/>
-          <p:cNvSpPr txBox="1"/>
+          <p:cNvSpPr txBox="1">
+            <a:spLocks noGrp="1"/>
+          </p:cNvSpPr>
           <p:nvPr>
             <p:ph type="title"/>
           </p:nvPr>
@@ -1910,7 +2120,7 @@
           </a:prstGeom>
         </p:spPr>
         <p:txBody>
-          <a:bodyPr anchorCtr="0" anchor="t" bIns="91425" lIns="91425" rIns="91425" tIns="91425"/>
+          <a:bodyPr lIns="91425" tIns="91425" rIns="91425" bIns="91425" anchor="t" anchorCtr="0"/>
           <a:lstStyle>
             <a:lvl1pPr lvl="0">
               <a:spcBef>
@@ -1967,15 +2177,19 @@
               <a:defRPr/>
             </a:lvl9pPr>
           </a:lstStyle>
-          <a:p/>
+          <a:p>
+            <a:endParaRPr/>
+          </a:p>
         </p:txBody>
       </p:sp>
       <p:sp>
         <p:nvSpPr>
           <p:cNvPr id="23" name="Shape 23"/>
-          <p:cNvSpPr txBox="1"/>
+          <p:cNvSpPr txBox="1">
+            <a:spLocks noGrp="1"/>
+          </p:cNvSpPr>
           <p:nvPr>
-            <p:ph idx="1" type="body"/>
+            <p:ph type="body" idx="1"/>
           </p:nvPr>
         </p:nvSpPr>
         <p:spPr>
@@ -1988,7 +2202,7 @@
           </a:prstGeom>
         </p:spPr>
         <p:txBody>
-          <a:bodyPr anchorCtr="0" anchor="t" bIns="91425" lIns="91425" rIns="91425" tIns="91425"/>
+          <a:bodyPr lIns="91425" tIns="91425" rIns="91425" bIns="91425" anchor="t" anchorCtr="0"/>
           <a:lstStyle>
             <a:lvl1pPr lvl="0">
               <a:spcBef>
@@ -2054,15 +2268,19 @@
               <a:defRPr sz="1200"/>
             </a:lvl9pPr>
           </a:lstStyle>
-          <a:p/>
+          <a:p>
+            <a:endParaRPr/>
+          </a:p>
         </p:txBody>
       </p:sp>
       <p:sp>
         <p:nvSpPr>
           <p:cNvPr id="24" name="Shape 24"/>
-          <p:cNvSpPr txBox="1"/>
+          <p:cNvSpPr txBox="1">
+            <a:spLocks noGrp="1"/>
+          </p:cNvSpPr>
           <p:nvPr>
-            <p:ph idx="2" type="body"/>
+            <p:ph type="body" idx="2"/>
           </p:nvPr>
         </p:nvSpPr>
         <p:spPr>
@@ -2075,7 +2293,7 @@
           </a:prstGeom>
         </p:spPr>
         <p:txBody>
-          <a:bodyPr anchorCtr="0" anchor="t" bIns="91425" lIns="91425" rIns="91425" tIns="91425"/>
+          <a:bodyPr lIns="91425" tIns="91425" rIns="91425" bIns="91425" anchor="t" anchorCtr="0"/>
           <a:lstStyle>
             <a:lvl1pPr lvl="0">
               <a:spcBef>
@@ -2141,15 +2359,19 @@
               <a:defRPr sz="1200"/>
             </a:lvl9pPr>
           </a:lstStyle>
-          <a:p/>
+          <a:p>
+            <a:endParaRPr/>
+          </a:p>
         </p:txBody>
       </p:sp>
       <p:sp>
         <p:nvSpPr>
           <p:cNvPr id="25" name="Shape 25"/>
-          <p:cNvSpPr txBox="1"/>
+          <p:cNvSpPr txBox="1">
+            <a:spLocks noGrp="1"/>
+          </p:cNvSpPr>
           <p:nvPr>
-            <p:ph idx="12" type="sldNum"/>
+            <p:ph type="sldNum" idx="12"/>
           </p:nvPr>
         </p:nvSpPr>
         <p:spPr>
@@ -2162,7 +2384,7 @@
           </a:prstGeom>
         </p:spPr>
         <p:txBody>
-          <a:bodyPr anchorCtr="0" anchor="ctr" bIns="91425" lIns="91425" rIns="91425" tIns="91425">
+          <a:bodyPr lIns="91425" tIns="91425" rIns="91425" bIns="91425" anchor="ctr" anchorCtr="0">
             <a:noAutofit/>
           </a:bodyPr>
           <a:lstStyle/>
@@ -2177,6 +2399,7 @@
               <a:rPr lang="en"/>
               <a:t>‹#›</a:t>
             </a:fld>
+            <a:endParaRPr lang="en"/>
           </a:p>
         </p:txBody>
       </p:sp>
@@ -2189,11 +2412,11 @@
 </file>
 
 <file path=ppt/slideLayouts/slideLayout5.xml><?xml version="1.0" encoding="utf-8"?>
-<p:sldLayout xmlns:a="http://schemas.openxmlformats.org/drawingml/2006/main" xmlns:r="http://schemas.openxmlformats.org/officeDocument/2006/relationships" xmlns:mc="http://schemas.openxmlformats.org/markup-compatibility/2006" xmlns:mv="urn:schemas-microsoft-com:mac:vml" xmlns:p="http://schemas.openxmlformats.org/presentationml/2006/main" xmlns:c="http://schemas.openxmlformats.org/drawingml/2006/chart" xmlns:dgm="http://schemas.openxmlformats.org/drawingml/2006/diagram" xmlns:o="urn:schemas-microsoft-com:office:office" xmlns:v="urn:schemas-microsoft-com:vml" xmlns:pvml="urn:schemas-microsoft-com:office:powerpoint" xmlns:com="http://schemas.openxmlformats.org/drawingml/2006/compatibility" xmlns:p14="http://schemas.microsoft.com/office/powerpoint/2010/main" type="titleOnly">
+<p:sldLayout xmlns:a="http://schemas.openxmlformats.org/drawingml/2006/main" xmlns:r="http://schemas.openxmlformats.org/officeDocument/2006/relationships" xmlns:p="http://schemas.openxmlformats.org/presentationml/2006/main" type="titleOnly">
   <p:cSld name="Title only">
     <p:spTree>
       <p:nvGrpSpPr>
-        <p:cNvPr id="26" name="Shape 26"/>
+        <p:cNvPr id="1" name="Shape 26"/>
         <p:cNvGrpSpPr/>
         <p:nvPr/>
       </p:nvGrpSpPr>
@@ -2208,7 +2431,9 @@
       <p:sp>
         <p:nvSpPr>
           <p:cNvPr id="27" name="Shape 27"/>
-          <p:cNvSpPr txBox="1"/>
+          <p:cNvSpPr txBox="1">
+            <a:spLocks noGrp="1"/>
+          </p:cNvSpPr>
           <p:nvPr>
             <p:ph type="title"/>
           </p:nvPr>
@@ -2223,7 +2448,7 @@
           </a:prstGeom>
         </p:spPr>
         <p:txBody>
-          <a:bodyPr anchorCtr="0" anchor="t" bIns="91425" lIns="91425" rIns="91425" tIns="91425"/>
+          <a:bodyPr lIns="91425" tIns="91425" rIns="91425" bIns="91425" anchor="t" anchorCtr="0"/>
           <a:lstStyle>
             <a:lvl1pPr lvl="0">
               <a:spcBef>
@@ -2280,15 +2505,19 @@
               <a:defRPr/>
             </a:lvl9pPr>
           </a:lstStyle>
-          <a:p/>
+          <a:p>
+            <a:endParaRPr/>
+          </a:p>
         </p:txBody>
       </p:sp>
       <p:sp>
         <p:nvSpPr>
           <p:cNvPr id="28" name="Shape 28"/>
-          <p:cNvSpPr txBox="1"/>
+          <p:cNvSpPr txBox="1">
+            <a:spLocks noGrp="1"/>
+          </p:cNvSpPr>
           <p:nvPr>
-            <p:ph idx="12" type="sldNum"/>
+            <p:ph type="sldNum" idx="12"/>
           </p:nvPr>
         </p:nvSpPr>
         <p:spPr>
@@ -2301,7 +2530,7 @@
           </a:prstGeom>
         </p:spPr>
         <p:txBody>
-          <a:bodyPr anchorCtr="0" anchor="ctr" bIns="91425" lIns="91425" rIns="91425" tIns="91425">
+          <a:bodyPr lIns="91425" tIns="91425" rIns="91425" bIns="91425" anchor="ctr" anchorCtr="0">
             <a:noAutofit/>
           </a:bodyPr>
           <a:lstStyle/>
@@ -2316,6 +2545,7 @@
               <a:rPr lang="en"/>
               <a:t>‹#›</a:t>
             </a:fld>
+            <a:endParaRPr lang="en"/>
           </a:p>
         </p:txBody>
       </p:sp>
@@ -2328,11 +2558,11 @@
 </file>
 
 <file path=ppt/slideLayouts/slideLayout6.xml><?xml version="1.0" encoding="utf-8"?>
-<p:sldLayout xmlns:a="http://schemas.openxmlformats.org/drawingml/2006/main" xmlns:r="http://schemas.openxmlformats.org/officeDocument/2006/relationships" xmlns:mc="http://schemas.openxmlformats.org/markup-compatibility/2006" xmlns:mv="urn:schemas-microsoft-com:mac:vml" xmlns:p="http://schemas.openxmlformats.org/presentationml/2006/main" xmlns:c="http://schemas.openxmlformats.org/drawingml/2006/chart" xmlns:dgm="http://schemas.openxmlformats.org/drawingml/2006/diagram" xmlns:o="urn:schemas-microsoft-com:office:office" xmlns:v="urn:schemas-microsoft-com:vml" xmlns:pvml="urn:schemas-microsoft-com:office:powerpoint" xmlns:com="http://schemas.openxmlformats.org/drawingml/2006/compatibility" xmlns:p14="http://schemas.microsoft.com/office/powerpoint/2010/main">
+<p:sldLayout xmlns:a="http://schemas.openxmlformats.org/drawingml/2006/main" xmlns:r="http://schemas.openxmlformats.org/officeDocument/2006/relationships" xmlns:p="http://schemas.openxmlformats.org/presentationml/2006/main">
   <p:cSld name="One column text">
     <p:spTree>
       <p:nvGrpSpPr>
-        <p:cNvPr id="29" name="Shape 29"/>
+        <p:cNvPr id="1" name="Shape 29"/>
         <p:cNvGrpSpPr/>
         <p:nvPr/>
       </p:nvGrpSpPr>
@@ -2347,7 +2577,9 @@
       <p:sp>
         <p:nvSpPr>
           <p:cNvPr id="30" name="Shape 30"/>
-          <p:cNvSpPr txBox="1"/>
+          <p:cNvSpPr txBox="1">
+            <a:spLocks noGrp="1"/>
+          </p:cNvSpPr>
           <p:nvPr>
             <p:ph type="title"/>
           </p:nvPr>
@@ -2362,7 +2594,7 @@
           </a:prstGeom>
         </p:spPr>
         <p:txBody>
-          <a:bodyPr anchorCtr="0" anchor="b" bIns="91425" lIns="91425" rIns="91425" tIns="91425"/>
+          <a:bodyPr lIns="91425" tIns="91425" rIns="91425" bIns="91425" anchor="b" anchorCtr="0"/>
           <a:lstStyle>
             <a:lvl1pPr lvl="0">
               <a:spcBef>
@@ -2428,15 +2660,19 @@
               <a:defRPr sz="2400"/>
             </a:lvl9pPr>
           </a:lstStyle>
-          <a:p/>
+          <a:p>
+            <a:endParaRPr/>
+          </a:p>
         </p:txBody>
       </p:sp>
       <p:sp>
         <p:nvSpPr>
           <p:cNvPr id="31" name="Shape 31"/>
-          <p:cNvSpPr txBox="1"/>
+          <p:cNvSpPr txBox="1">
+            <a:spLocks noGrp="1"/>
+          </p:cNvSpPr>
           <p:nvPr>
-            <p:ph idx="1" type="body"/>
+            <p:ph type="body" idx="1"/>
           </p:nvPr>
         </p:nvSpPr>
         <p:spPr>
@@ -2449,7 +2685,7 @@
           </a:prstGeom>
         </p:spPr>
         <p:txBody>
-          <a:bodyPr anchorCtr="0" anchor="t" bIns="91425" lIns="91425" rIns="91425" tIns="91425"/>
+          <a:bodyPr lIns="91425" tIns="91425" rIns="91425" bIns="91425" anchor="t" anchorCtr="0"/>
           <a:lstStyle>
             <a:lvl1pPr lvl="0">
               <a:spcBef>
@@ -2515,15 +2751,19 @@
               <a:defRPr sz="1200"/>
             </a:lvl9pPr>
           </a:lstStyle>
-          <a:p/>
+          <a:p>
+            <a:endParaRPr/>
+          </a:p>
         </p:txBody>
       </p:sp>
       <p:sp>
         <p:nvSpPr>
           <p:cNvPr id="32" name="Shape 32"/>
-          <p:cNvSpPr txBox="1"/>
+          <p:cNvSpPr txBox="1">
+            <a:spLocks noGrp="1"/>
+          </p:cNvSpPr>
           <p:nvPr>
-            <p:ph idx="12" type="sldNum"/>
+            <p:ph type="sldNum" idx="12"/>
           </p:nvPr>
         </p:nvSpPr>
         <p:spPr>
@@ -2536,7 +2776,7 @@
           </a:prstGeom>
         </p:spPr>
         <p:txBody>
-          <a:bodyPr anchorCtr="0" anchor="ctr" bIns="91425" lIns="91425" rIns="91425" tIns="91425">
+          <a:bodyPr lIns="91425" tIns="91425" rIns="91425" bIns="91425" anchor="ctr" anchorCtr="0">
             <a:noAutofit/>
           </a:bodyPr>
           <a:lstStyle/>
@@ -2551,6 +2791,7 @@
               <a:rPr lang="en"/>
               <a:t>‹#›</a:t>
             </a:fld>
+            <a:endParaRPr lang="en"/>
           </a:p>
         </p:txBody>
       </p:sp>
@@ -2563,18 +2804,19 @@
 </file>
 
 <file path=ppt/slideLayouts/slideLayout7.xml><?xml version="1.0" encoding="utf-8"?>
-<p:sldLayout xmlns:a="http://schemas.openxmlformats.org/drawingml/2006/main" xmlns:r="http://schemas.openxmlformats.org/officeDocument/2006/relationships" xmlns:mc="http://schemas.openxmlformats.org/markup-compatibility/2006" xmlns:mv="urn:schemas-microsoft-com:mac:vml" xmlns:p="http://schemas.openxmlformats.org/presentationml/2006/main" xmlns:c="http://schemas.openxmlformats.org/drawingml/2006/chart" xmlns:dgm="http://schemas.openxmlformats.org/drawingml/2006/diagram" xmlns:o="urn:schemas-microsoft-com:office:office" xmlns:v="urn:schemas-microsoft-com:vml" xmlns:pvml="urn:schemas-microsoft-com:office:powerpoint" xmlns:com="http://schemas.openxmlformats.org/drawingml/2006/compatibility" xmlns:p14="http://schemas.microsoft.com/office/powerpoint/2010/main">
+<p:sldLayout xmlns:a="http://schemas.openxmlformats.org/drawingml/2006/main" xmlns:r="http://schemas.openxmlformats.org/officeDocument/2006/relationships" xmlns:p="http://schemas.openxmlformats.org/presentationml/2006/main">
   <p:cSld name="Main point">
     <p:bg>
       <p:bgPr>
         <a:solidFill>
           <a:schemeClr val="accent3"/>
         </a:solidFill>
+        <a:effectLst/>
       </p:bgPr>
     </p:bg>
     <p:spTree>
       <p:nvGrpSpPr>
-        <p:cNvPr id="33" name="Shape 33"/>
+        <p:cNvPr id="1" name="Shape 33"/>
         <p:cNvGrpSpPr/>
         <p:nvPr/>
       </p:nvGrpSpPr>
@@ -2589,7 +2831,9 @@
       <p:sp>
         <p:nvSpPr>
           <p:cNvPr id="34" name="Shape 34"/>
-          <p:cNvSpPr txBox="1"/>
+          <p:cNvSpPr txBox="1">
+            <a:spLocks noGrp="1"/>
+          </p:cNvSpPr>
           <p:nvPr>
             <p:ph type="title"/>
           </p:nvPr>
@@ -2604,7 +2848,7 @@
           </a:prstGeom>
         </p:spPr>
         <p:txBody>
-          <a:bodyPr anchorCtr="0" anchor="ctr" bIns="91425" lIns="91425" rIns="91425" tIns="91425"/>
+          <a:bodyPr lIns="91425" tIns="91425" rIns="91425" bIns="91425" anchor="ctr" anchorCtr="0"/>
           <a:lstStyle>
             <a:lvl1pPr lvl="0">
               <a:spcBef>
@@ -2733,15 +2977,19 @@
               </a:defRPr>
             </a:lvl9pPr>
           </a:lstStyle>
-          <a:p/>
+          <a:p>
+            <a:endParaRPr/>
+          </a:p>
         </p:txBody>
       </p:sp>
       <p:sp>
         <p:nvSpPr>
           <p:cNvPr id="35" name="Shape 35"/>
-          <p:cNvSpPr txBox="1"/>
+          <p:cNvSpPr txBox="1">
+            <a:spLocks noGrp="1"/>
+          </p:cNvSpPr>
           <p:nvPr>
-            <p:ph idx="12" type="sldNum"/>
+            <p:ph type="sldNum" idx="12"/>
           </p:nvPr>
         </p:nvSpPr>
         <p:spPr>
@@ -2754,7 +3002,7 @@
           </a:prstGeom>
         </p:spPr>
         <p:txBody>
-          <a:bodyPr anchorCtr="0" anchor="ctr" bIns="91425" lIns="91425" rIns="91425" tIns="91425">
+          <a:bodyPr lIns="91425" tIns="91425" rIns="91425" bIns="91425" anchor="ctr" anchorCtr="0">
             <a:noAutofit/>
           </a:bodyPr>
           <a:lstStyle/>
@@ -2773,6 +3021,11 @@
               </a:rPr>
               <a:t>‹#›</a:t>
             </a:fld>
+            <a:endParaRPr lang="en">
+              <a:solidFill>
+                <a:schemeClr val="lt1"/>
+              </a:solidFill>
+            </a:endParaRPr>
           </a:p>
         </p:txBody>
       </p:sp>
@@ -2785,11 +3038,11 @@
 </file>
 
 <file path=ppt/slideLayouts/slideLayout8.xml><?xml version="1.0" encoding="utf-8"?>
-<p:sldLayout xmlns:a="http://schemas.openxmlformats.org/drawingml/2006/main" xmlns:r="http://schemas.openxmlformats.org/officeDocument/2006/relationships" xmlns:mc="http://schemas.openxmlformats.org/markup-compatibility/2006" xmlns:mv="urn:schemas-microsoft-com:mac:vml" xmlns:p="http://schemas.openxmlformats.org/presentationml/2006/main" xmlns:c="http://schemas.openxmlformats.org/drawingml/2006/chart" xmlns:dgm="http://schemas.openxmlformats.org/drawingml/2006/diagram" xmlns:o="urn:schemas-microsoft-com:office:office" xmlns:v="urn:schemas-microsoft-com:vml" xmlns:pvml="urn:schemas-microsoft-com:office:powerpoint" xmlns:com="http://schemas.openxmlformats.org/drawingml/2006/compatibility" xmlns:p14="http://schemas.microsoft.com/office/powerpoint/2010/main">
+<p:sldLayout xmlns:a="http://schemas.openxmlformats.org/drawingml/2006/main" xmlns:r="http://schemas.openxmlformats.org/officeDocument/2006/relationships" xmlns:p="http://schemas.openxmlformats.org/presentationml/2006/main">
   <p:cSld name="Section title and description">
     <p:spTree>
       <p:nvGrpSpPr>
-        <p:cNvPr id="36" name="Shape 36"/>
+        <p:cNvPr id="1" name="Shape 36"/>
         <p:cNvGrpSpPr/>
         <p:nvPr/>
       </p:nvGrpSpPr>
@@ -2823,7 +3076,7 @@
           </a:ln>
         </p:spPr>
         <p:txBody>
-          <a:bodyPr anchorCtr="0" anchor="ctr" bIns="91425" lIns="91425" rIns="91425" tIns="91425">
+          <a:bodyPr lIns="91425" tIns="91425" rIns="91425" bIns="91425" anchor="ctr" anchorCtr="0">
             <a:noAutofit/>
           </a:bodyPr>
           <a:lstStyle/>
@@ -2834,9 +3087,6 @@
               </a:spcBef>
               <a:buNone/>
             </a:pPr>
-            <a:r>
-              <a:t/>
-            </a:r>
             <a:endParaRPr/>
           </a:p>
         </p:txBody>
@@ -2856,21 +3106,23 @@
             <a:avLst/>
           </a:prstGeom>
           <a:noFill/>
-          <a:ln cap="flat" cmpd="sng" w="19050">
+          <a:ln w="19050" cap="flat" cmpd="sng">
             <a:solidFill>
               <a:schemeClr val="lt1"/>
             </a:solidFill>
             <a:prstDash val="solid"/>
             <a:round/>
-            <a:headEnd len="med" w="med" type="none"/>
-            <a:tailEnd len="med" w="med" type="none"/>
+            <a:headEnd type="none" w="med" len="med"/>
+            <a:tailEnd type="none" w="med" len="med"/>
           </a:ln>
         </p:spPr>
       </p:cxnSp>
       <p:sp>
         <p:nvSpPr>
           <p:cNvPr id="39" name="Shape 39"/>
-          <p:cNvSpPr txBox="1"/>
+          <p:cNvSpPr txBox="1">
+            <a:spLocks noGrp="1"/>
+          </p:cNvSpPr>
           <p:nvPr>
             <p:ph type="title"/>
           </p:nvPr>
@@ -2885,7 +3137,7 @@
           </a:prstGeom>
         </p:spPr>
         <p:txBody>
-          <a:bodyPr anchorCtr="0" anchor="b" bIns="91425" lIns="91425" rIns="91425" tIns="91425"/>
+          <a:bodyPr lIns="91425" tIns="91425" rIns="91425" bIns="91425" anchor="b" anchorCtr="0"/>
           <a:lstStyle>
             <a:lvl1pPr lvl="0" algn="ctr">
               <a:spcBef>
@@ -2951,15 +3203,19 @@
               <a:defRPr sz="3800"/>
             </a:lvl9pPr>
           </a:lstStyle>
-          <a:p/>
+          <a:p>
+            <a:endParaRPr/>
+          </a:p>
         </p:txBody>
       </p:sp>
       <p:sp>
         <p:nvSpPr>
           <p:cNvPr id="40" name="Shape 40"/>
-          <p:cNvSpPr txBox="1"/>
+          <p:cNvSpPr txBox="1">
+            <a:spLocks noGrp="1"/>
+          </p:cNvSpPr>
           <p:nvPr>
-            <p:ph idx="1" type="subTitle"/>
+            <p:ph type="subTitle" idx="1"/>
           </p:nvPr>
         </p:nvSpPr>
         <p:spPr>
@@ -2972,7 +3228,7 @@
           </a:prstGeom>
         </p:spPr>
         <p:txBody>
-          <a:bodyPr anchorCtr="0" anchor="t" bIns="91425" lIns="91425" rIns="91425" tIns="91425"/>
+          <a:bodyPr lIns="91425" tIns="91425" rIns="91425" bIns="91425" anchor="t" anchorCtr="0"/>
           <a:lstStyle>
             <a:lvl1pPr lvl="0" algn="ctr">
               <a:lnSpc>
@@ -3100,15 +3356,19 @@
               <a:defRPr sz="1800"/>
             </a:lvl9pPr>
           </a:lstStyle>
-          <a:p/>
+          <a:p>
+            <a:endParaRPr/>
+          </a:p>
         </p:txBody>
       </p:sp>
       <p:sp>
         <p:nvSpPr>
           <p:cNvPr id="41" name="Shape 41"/>
-          <p:cNvSpPr txBox="1"/>
+          <p:cNvSpPr txBox="1">
+            <a:spLocks noGrp="1"/>
+          </p:cNvSpPr>
           <p:nvPr>
-            <p:ph idx="2" type="body"/>
+            <p:ph type="body" idx="2"/>
           </p:nvPr>
         </p:nvSpPr>
         <p:spPr>
@@ -3121,7 +3381,7 @@
           </a:prstGeom>
         </p:spPr>
         <p:txBody>
-          <a:bodyPr anchorCtr="0" anchor="ctr" bIns="91425" lIns="91425" rIns="91425" tIns="91425"/>
+          <a:bodyPr lIns="91425" tIns="91425" rIns="91425" bIns="91425" anchor="ctr" anchorCtr="0"/>
           <a:lstStyle>
             <a:lvl1pPr lvl="0">
               <a:spcBef>
@@ -3241,15 +3501,19 @@
               </a:defRPr>
             </a:lvl9pPr>
           </a:lstStyle>
-          <a:p/>
+          <a:p>
+            <a:endParaRPr/>
+          </a:p>
         </p:txBody>
       </p:sp>
       <p:sp>
         <p:nvSpPr>
           <p:cNvPr id="42" name="Shape 42"/>
-          <p:cNvSpPr txBox="1"/>
+          <p:cNvSpPr txBox="1">
+            <a:spLocks noGrp="1"/>
+          </p:cNvSpPr>
           <p:nvPr>
-            <p:ph idx="12" type="sldNum"/>
+            <p:ph type="sldNum" idx="12"/>
           </p:nvPr>
         </p:nvSpPr>
         <p:spPr>
@@ -3262,7 +3526,7 @@
           </a:prstGeom>
         </p:spPr>
         <p:txBody>
-          <a:bodyPr anchorCtr="0" anchor="ctr" bIns="91425" lIns="91425" rIns="91425" tIns="91425">
+          <a:bodyPr lIns="91425" tIns="91425" rIns="91425" bIns="91425" anchor="ctr" anchorCtr="0">
             <a:noAutofit/>
           </a:bodyPr>
           <a:lstStyle/>
@@ -3281,6 +3545,11 @@
               </a:rPr>
               <a:t>‹#›</a:t>
             </a:fld>
+            <a:endParaRPr lang="en">
+              <a:solidFill>
+                <a:schemeClr val="lt1"/>
+              </a:solidFill>
+            </a:endParaRPr>
           </a:p>
         </p:txBody>
       </p:sp>
@@ -3293,11 +3562,11 @@
 </file>
 
 <file path=ppt/slideLayouts/slideLayout9.xml><?xml version="1.0" encoding="utf-8"?>
-<p:sldLayout xmlns:a="http://schemas.openxmlformats.org/drawingml/2006/main" xmlns:r="http://schemas.openxmlformats.org/officeDocument/2006/relationships" xmlns:mc="http://schemas.openxmlformats.org/markup-compatibility/2006" xmlns:mv="urn:schemas-microsoft-com:mac:vml" xmlns:p="http://schemas.openxmlformats.org/presentationml/2006/main" xmlns:c="http://schemas.openxmlformats.org/drawingml/2006/chart" xmlns:dgm="http://schemas.openxmlformats.org/drawingml/2006/diagram" xmlns:o="urn:schemas-microsoft-com:office:office" xmlns:v="urn:schemas-microsoft-com:vml" xmlns:pvml="urn:schemas-microsoft-com:office:powerpoint" xmlns:com="http://schemas.openxmlformats.org/drawingml/2006/compatibility" xmlns:p14="http://schemas.microsoft.com/office/powerpoint/2010/main">
+<p:sldLayout xmlns:a="http://schemas.openxmlformats.org/drawingml/2006/main" xmlns:r="http://schemas.openxmlformats.org/officeDocument/2006/relationships" xmlns:p="http://schemas.openxmlformats.org/presentationml/2006/main">
   <p:cSld name="Caption">
     <p:spTree>
       <p:nvGrpSpPr>
-        <p:cNvPr id="43" name="Shape 43"/>
+        <p:cNvPr id="1" name="Shape 43"/>
         <p:cNvGrpSpPr/>
         <p:nvPr/>
       </p:nvGrpSpPr>
@@ -3312,9 +3581,11 @@
       <p:sp>
         <p:nvSpPr>
           <p:cNvPr id="44" name="Shape 44"/>
-          <p:cNvSpPr txBox="1"/>
+          <p:cNvSpPr txBox="1">
+            <a:spLocks noGrp="1"/>
+          </p:cNvSpPr>
           <p:nvPr>
-            <p:ph idx="1" type="body"/>
+            <p:ph type="body" idx="1"/>
           </p:nvPr>
         </p:nvSpPr>
         <p:spPr>
@@ -3327,7 +3598,7 @@
           </a:prstGeom>
         </p:spPr>
         <p:txBody>
-          <a:bodyPr anchorCtr="0" anchor="ctr" bIns="91425" lIns="91425" rIns="91425" tIns="91425"/>
+          <a:bodyPr lIns="91425" tIns="91425" rIns="91425" bIns="91425" anchor="ctr" anchorCtr="0"/>
           <a:lstStyle>
             <a:lvl1pPr lvl="0">
               <a:lnSpc>
@@ -3355,15 +3626,19 @@
               </a:defRPr>
             </a:lvl1pPr>
           </a:lstStyle>
-          <a:p/>
+          <a:p>
+            <a:endParaRPr/>
+          </a:p>
         </p:txBody>
       </p:sp>
       <p:sp>
         <p:nvSpPr>
           <p:cNvPr id="45" name="Shape 45"/>
-          <p:cNvSpPr txBox="1"/>
+          <p:cNvSpPr txBox="1">
+            <a:spLocks noGrp="1"/>
+          </p:cNvSpPr>
           <p:nvPr>
-            <p:ph idx="12" type="sldNum"/>
+            <p:ph type="sldNum" idx="12"/>
           </p:nvPr>
         </p:nvSpPr>
         <p:spPr>
@@ -3376,7 +3651,7 @@
           </a:prstGeom>
         </p:spPr>
         <p:txBody>
-          <a:bodyPr anchorCtr="0" anchor="ctr" bIns="91425" lIns="91425" rIns="91425" tIns="91425">
+          <a:bodyPr lIns="91425" tIns="91425" rIns="91425" bIns="91425" anchor="ctr" anchorCtr="0">
             <a:noAutofit/>
           </a:bodyPr>
           <a:lstStyle/>
@@ -3391,6 +3666,7 @@
               <a:rPr lang="en"/>
               <a:t>‹#›</a:t>
             </a:fld>
+            <a:endParaRPr lang="en"/>
           </a:p>
         </p:txBody>
       </p:sp>
@@ -3403,18 +3679,19 @@
 </file>
 
 <file path=ppt/slideMasters/slideMaster1.xml><?xml version="1.0" encoding="utf-8"?>
-<p:sldMaster xmlns:a="http://schemas.openxmlformats.org/drawingml/2006/main" xmlns:r="http://schemas.openxmlformats.org/officeDocument/2006/relationships" xmlns:mc="http://schemas.openxmlformats.org/markup-compatibility/2006" xmlns:mv="urn:schemas-microsoft-com:mac:vml" xmlns:p="http://schemas.openxmlformats.org/presentationml/2006/main" xmlns:c="http://schemas.openxmlformats.org/drawingml/2006/chart" xmlns:dgm="http://schemas.openxmlformats.org/drawingml/2006/diagram" xmlns:o="urn:schemas-microsoft-com:office:office" xmlns:v="urn:schemas-microsoft-com:vml" xmlns:pvml="urn:schemas-microsoft-com:office:powerpoint" xmlns:com="http://schemas.openxmlformats.org/drawingml/2006/compatibility" xmlns:p14="http://schemas.microsoft.com/office/powerpoint/2010/main">
+<p:sldMaster xmlns:a="http://schemas.openxmlformats.org/drawingml/2006/main" xmlns:r="http://schemas.openxmlformats.org/officeDocument/2006/relationships" xmlns:p="http://schemas.openxmlformats.org/presentationml/2006/main">
   <p:cSld>
     <p:bg>
       <p:bgPr>
         <a:solidFill>
           <a:schemeClr val="lt1"/>
         </a:solidFill>
+        <a:effectLst/>
       </p:bgPr>
     </p:bg>
     <p:spTree>
       <p:nvGrpSpPr>
-        <p:cNvPr id="5" name="Shape 5"/>
+        <p:cNvPr id="1" name="Shape 5"/>
         <p:cNvGrpSpPr/>
         <p:nvPr/>
       </p:nvGrpSpPr>
@@ -3429,7 +3706,9 @@
       <p:sp>
         <p:nvSpPr>
           <p:cNvPr id="6" name="Shape 6"/>
-          <p:cNvSpPr txBox="1"/>
+          <p:cNvSpPr txBox="1">
+            <a:spLocks noGrp="1"/>
+          </p:cNvSpPr>
           <p:nvPr>
             <p:ph type="title"/>
           </p:nvPr>
@@ -3448,7 +3727,7 @@
           </a:ln>
         </p:spPr>
         <p:txBody>
-          <a:bodyPr anchorCtr="0" anchor="t" bIns="91425" lIns="91425" rIns="91425" tIns="91425"/>
+          <a:bodyPr lIns="91425" tIns="91425" rIns="91425" bIns="91425" anchor="t" anchorCtr="0"/>
           <a:lstStyle>
             <a:lvl1pPr lvl="0">
               <a:spcBef>
@@ -3631,15 +3910,19 @@
               </a:defRPr>
             </a:lvl9pPr>
           </a:lstStyle>
-          <a:p/>
+          <a:p>
+            <a:endParaRPr/>
+          </a:p>
         </p:txBody>
       </p:sp>
       <p:sp>
         <p:nvSpPr>
           <p:cNvPr id="7" name="Shape 7"/>
-          <p:cNvSpPr txBox="1"/>
+          <p:cNvSpPr txBox="1">
+            <a:spLocks noGrp="1"/>
+          </p:cNvSpPr>
           <p:nvPr>
-            <p:ph idx="1" type="body"/>
+            <p:ph type="body" idx="1"/>
           </p:nvPr>
         </p:nvSpPr>
         <p:spPr>
@@ -3656,7 +3939,7 @@
           </a:ln>
         </p:spPr>
         <p:txBody>
-          <a:bodyPr anchorCtr="0" anchor="t" bIns="91425" lIns="91425" rIns="91425" tIns="91425"/>
+          <a:bodyPr lIns="91425" tIns="91425" rIns="91425" bIns="91425" anchor="t" anchorCtr="0"/>
           <a:lstStyle>
             <a:lvl1pPr lvl="0">
               <a:lnSpc>
@@ -3876,15 +4159,19 @@
               </a:defRPr>
             </a:lvl9pPr>
           </a:lstStyle>
-          <a:p/>
+          <a:p>
+            <a:endParaRPr/>
+          </a:p>
         </p:txBody>
       </p:sp>
       <p:sp>
         <p:nvSpPr>
           <p:cNvPr id="8" name="Shape 8"/>
-          <p:cNvSpPr txBox="1"/>
+          <p:cNvSpPr txBox="1">
+            <a:spLocks noGrp="1"/>
+          </p:cNvSpPr>
           <p:nvPr>
-            <p:ph idx="12" type="sldNum"/>
+            <p:ph type="sldNum" idx="12"/>
           </p:nvPr>
         </p:nvSpPr>
         <p:spPr>
@@ -3901,7 +4188,7 @@
           </a:ln>
         </p:spPr>
         <p:txBody>
-          <a:bodyPr anchorCtr="0" anchor="ctr" bIns="91425" lIns="91425" rIns="91425" tIns="91425">
+          <a:bodyPr lIns="91425" tIns="91425" rIns="91425" bIns="91425" anchor="ctr" anchorCtr="0">
             <a:noAutofit/>
           </a:bodyPr>
           <a:lstStyle/>
@@ -3924,12 +4211,21 @@
               </a:rPr>
               <a:t>‹#›</a:t>
             </a:fld>
+            <a:endParaRPr lang="en" sz="1000">
+              <a:solidFill>
+                <a:schemeClr val="dk2"/>
+              </a:solidFill>
+              <a:latin typeface="Proxima Nova"/>
+              <a:ea typeface="Proxima Nova"/>
+              <a:cs typeface="Proxima Nova"/>
+              <a:sym typeface="Proxima Nova"/>
+            </a:endParaRPr>
           </a:p>
         </p:txBody>
       </p:sp>
     </p:spTree>
   </p:cSld>
-  <p:clrMap accent1="accent1" accent2="accent2" accent3="accent3" accent4="accent4" accent5="accent5" accent6="accent6" bg1="lt1" bg2="dk2" tx1="dk1" tx2="lt2" folHlink="folHlink" hlink="hlink"/>
+  <p:clrMap bg1="lt1" tx1="dk1" bg2="dk2" tx2="lt2" accent1="accent1" accent2="accent2" accent3="accent3" accent4="accent4" accent5="accent5" accent6="accent6" hlink="hlink" folHlink="folHlink"/>
   <p:sldLayoutIdLst>
     <p:sldLayoutId id="2147483648" r:id="rId1"/>
     <p:sldLayoutId id="2147483649" r:id="rId2"/>
@@ -3943,10 +4239,10 @@
     <p:sldLayoutId id="2147483657" r:id="rId10"/>
     <p:sldLayoutId id="2147483658" r:id="rId11"/>
   </p:sldLayoutIdLst>
-  <p:hf dt="0" ftr="0" hdr="0" sldNum="0"/>
+  <p:hf sldNum="0" hdr="0" ftr="0" dt="0"/>
   <p:txStyles>
     <p:titleStyle>
-      <a:defPPr lvl="0" marR="0" rtl="0" algn="l">
+      <a:defPPr marR="0" lvl="0" algn="l" rtl="0">
         <a:lnSpc>
           <a:spcPct val="100000"/>
         </a:lnSpc>
@@ -3957,7 +4253,7 @@
           <a:spcPts val="0"/>
         </a:spcAft>
       </a:defPPr>
-      <a:lvl1pPr lvl="0" marR="0" rtl="0" algn="l">
+      <a:lvl1pPr marR="0" lvl="0" algn="l" rtl="0">
         <a:lnSpc>
           <a:spcPct val="100000"/>
         </a:lnSpc>
@@ -3968,7 +4264,7 @@
           <a:spcPts val="0"/>
         </a:spcAft>
         <a:buNone/>
-        <a:defRPr b="0" i="0" sz="1400" u="none" cap="none" strike="noStrike">
+        <a:defRPr sz="1400" b="0" i="0" u="none" strike="noStrike" cap="none">
           <a:solidFill>
             <a:srgbClr val="000000"/>
           </a:solidFill>
@@ -3980,7 +4276,7 @@
       </a:lvl1pPr>
     </p:titleStyle>
     <p:bodyStyle>
-      <a:defPPr lvl="0" marR="0" rtl="0" algn="l">
+      <a:defPPr marR="0" lvl="0" algn="l" rtl="0">
         <a:lnSpc>
           <a:spcPct val="100000"/>
         </a:lnSpc>
@@ -3991,7 +4287,7 @@
           <a:spcPts val="0"/>
         </a:spcAft>
       </a:defPPr>
-      <a:lvl1pPr lvl="0" marR="0" rtl="0" algn="l">
+      <a:lvl1pPr marR="0" lvl="0" algn="l" rtl="0">
         <a:lnSpc>
           <a:spcPct val="100000"/>
         </a:lnSpc>
@@ -4002,7 +4298,7 @@
           <a:spcPts val="0"/>
         </a:spcAft>
         <a:buNone/>
-        <a:defRPr b="0" i="0" sz="1400" u="none" cap="none" strike="noStrike">
+        <a:defRPr sz="1400" b="0" i="0" u="none" strike="noStrike" cap="none">
           <a:solidFill>
             <a:srgbClr val="000000"/>
           </a:solidFill>
@@ -4012,7 +4308,7 @@
           <a:sym typeface="Arial"/>
         </a:defRPr>
       </a:lvl1pPr>
-      <a:lvl2pPr lvl="1" marR="0" rtl="0" algn="l">
+      <a:lvl2pPr marR="0" lvl="1" algn="l" rtl="0">
         <a:lnSpc>
           <a:spcPct val="100000"/>
         </a:lnSpc>
@@ -4023,7 +4319,7 @@
           <a:spcPts val="0"/>
         </a:spcAft>
         <a:buNone/>
-        <a:defRPr b="0" i="0" sz="1400" u="none" cap="none" strike="noStrike">
+        <a:defRPr sz="1400" b="0" i="0" u="none" strike="noStrike" cap="none">
           <a:solidFill>
             <a:srgbClr val="000000"/>
           </a:solidFill>
@@ -4033,7 +4329,7 @@
           <a:sym typeface="Arial"/>
         </a:defRPr>
       </a:lvl2pPr>
-      <a:lvl3pPr lvl="2" marR="0" rtl="0" algn="l">
+      <a:lvl3pPr marR="0" lvl="2" algn="l" rtl="0">
         <a:lnSpc>
           <a:spcPct val="100000"/>
         </a:lnSpc>
@@ -4044,7 +4340,7 @@
           <a:spcPts val="0"/>
         </a:spcAft>
         <a:buNone/>
-        <a:defRPr b="0" i="0" sz="1400" u="none" cap="none" strike="noStrike">
+        <a:defRPr sz="1400" b="0" i="0" u="none" strike="noStrike" cap="none">
           <a:solidFill>
             <a:srgbClr val="000000"/>
           </a:solidFill>
@@ -4054,7 +4350,7 @@
           <a:sym typeface="Arial"/>
         </a:defRPr>
       </a:lvl3pPr>
-      <a:lvl4pPr lvl="3" marR="0" rtl="0" algn="l">
+      <a:lvl4pPr marR="0" lvl="3" algn="l" rtl="0">
         <a:lnSpc>
           <a:spcPct val="100000"/>
         </a:lnSpc>
@@ -4065,7 +4361,7 @@
           <a:spcPts val="0"/>
         </a:spcAft>
         <a:buNone/>
-        <a:defRPr b="0" i="0" sz="1400" u="none" cap="none" strike="noStrike">
+        <a:defRPr sz="1400" b="0" i="0" u="none" strike="noStrike" cap="none">
           <a:solidFill>
             <a:srgbClr val="000000"/>
           </a:solidFill>
@@ -4075,7 +4371,7 @@
           <a:sym typeface="Arial"/>
         </a:defRPr>
       </a:lvl4pPr>
-      <a:lvl5pPr lvl="4" marR="0" rtl="0" algn="l">
+      <a:lvl5pPr marR="0" lvl="4" algn="l" rtl="0">
         <a:lnSpc>
           <a:spcPct val="100000"/>
         </a:lnSpc>
@@ -4086,7 +4382,7 @@
           <a:spcPts val="0"/>
         </a:spcAft>
         <a:buNone/>
-        <a:defRPr b="0" i="0" sz="1400" u="none" cap="none" strike="noStrike">
+        <a:defRPr sz="1400" b="0" i="0" u="none" strike="noStrike" cap="none">
           <a:solidFill>
             <a:srgbClr val="000000"/>
           </a:solidFill>
@@ -4096,7 +4392,7 @@
           <a:sym typeface="Arial"/>
         </a:defRPr>
       </a:lvl5pPr>
-      <a:lvl6pPr lvl="5" marR="0" rtl="0" algn="l">
+      <a:lvl6pPr marR="0" lvl="5" algn="l" rtl="0">
         <a:lnSpc>
           <a:spcPct val="100000"/>
         </a:lnSpc>
@@ -4107,7 +4403,7 @@
           <a:spcPts val="0"/>
         </a:spcAft>
         <a:buNone/>
-        <a:defRPr b="0" i="0" sz="1400" u="none" cap="none" strike="noStrike">
+        <a:defRPr sz="1400" b="0" i="0" u="none" strike="noStrike" cap="none">
           <a:solidFill>
             <a:srgbClr val="000000"/>
           </a:solidFill>
@@ -4117,7 +4413,7 @@
           <a:sym typeface="Arial"/>
         </a:defRPr>
       </a:lvl6pPr>
-      <a:lvl7pPr lvl="6" marR="0" rtl="0" algn="l">
+      <a:lvl7pPr marR="0" lvl="6" algn="l" rtl="0">
         <a:lnSpc>
           <a:spcPct val="100000"/>
         </a:lnSpc>
@@ -4128,7 +4424,7 @@
           <a:spcPts val="0"/>
         </a:spcAft>
         <a:buNone/>
-        <a:defRPr b="0" i="0" sz="1400" u="none" cap="none" strike="noStrike">
+        <a:defRPr sz="1400" b="0" i="0" u="none" strike="noStrike" cap="none">
           <a:solidFill>
             <a:srgbClr val="000000"/>
           </a:solidFill>
@@ -4138,7 +4434,7 @@
           <a:sym typeface="Arial"/>
         </a:defRPr>
       </a:lvl7pPr>
-      <a:lvl8pPr lvl="7" marR="0" rtl="0" algn="l">
+      <a:lvl8pPr marR="0" lvl="7" algn="l" rtl="0">
         <a:lnSpc>
           <a:spcPct val="100000"/>
         </a:lnSpc>
@@ -4149,7 +4445,7 @@
           <a:spcPts val="0"/>
         </a:spcAft>
         <a:buNone/>
-        <a:defRPr b="0" i="0" sz="1400" u="none" cap="none" strike="noStrike">
+        <a:defRPr sz="1400" b="0" i="0" u="none" strike="noStrike" cap="none">
           <a:solidFill>
             <a:srgbClr val="000000"/>
           </a:solidFill>
@@ -4159,7 +4455,7 @@
           <a:sym typeface="Arial"/>
         </a:defRPr>
       </a:lvl8pPr>
-      <a:lvl9pPr lvl="8" marR="0" rtl="0" algn="l">
+      <a:lvl9pPr marR="0" lvl="8" algn="l" rtl="0">
         <a:lnSpc>
           <a:spcPct val="100000"/>
         </a:lnSpc>
@@ -4170,7 +4466,7 @@
           <a:spcPts val="0"/>
         </a:spcAft>
         <a:buNone/>
-        <a:defRPr b="0" i="0" sz="1400" u="none" cap="none" strike="noStrike">
+        <a:defRPr sz="1400" b="0" i="0" u="none" strike="noStrike" cap="none">
           <a:solidFill>
             <a:srgbClr val="000000"/>
           </a:solidFill>
@@ -4182,7 +4478,7 @@
       </a:lvl9pPr>
     </p:bodyStyle>
     <p:otherStyle>
-      <a:defPPr lvl="0" marR="0" rtl="0" algn="l">
+      <a:defPPr marR="0" lvl="0" algn="l" rtl="0">
         <a:lnSpc>
           <a:spcPct val="100000"/>
         </a:lnSpc>
@@ -4193,7 +4489,7 @@
           <a:spcPts val="0"/>
         </a:spcAft>
       </a:defPPr>
-      <a:lvl1pPr lvl="0" marR="0" rtl="0" algn="l">
+      <a:lvl1pPr marR="0" lvl="0" algn="l" rtl="0">
         <a:lnSpc>
           <a:spcPct val="100000"/>
         </a:lnSpc>
@@ -4204,7 +4500,7 @@
           <a:spcPts val="0"/>
         </a:spcAft>
         <a:buNone/>
-        <a:defRPr b="0" i="0" sz="1400" u="none" cap="none" strike="noStrike">
+        <a:defRPr sz="1400" b="0" i="0" u="none" strike="noStrike" cap="none">
           <a:solidFill>
             <a:srgbClr val="000000"/>
           </a:solidFill>
@@ -4214,7 +4510,7 @@
           <a:sym typeface="Arial"/>
         </a:defRPr>
       </a:lvl1pPr>
-      <a:lvl2pPr lvl="1" marR="0" rtl="0" algn="l">
+      <a:lvl2pPr marR="0" lvl="1" algn="l" rtl="0">
         <a:lnSpc>
           <a:spcPct val="100000"/>
         </a:lnSpc>
@@ -4225,7 +4521,7 @@
           <a:spcPts val="0"/>
         </a:spcAft>
         <a:buNone/>
-        <a:defRPr b="0" i="0" sz="1400" u="none" cap="none" strike="noStrike">
+        <a:defRPr sz="1400" b="0" i="0" u="none" strike="noStrike" cap="none">
           <a:solidFill>
             <a:srgbClr val="000000"/>
           </a:solidFill>
@@ -4235,7 +4531,7 @@
           <a:sym typeface="Arial"/>
         </a:defRPr>
       </a:lvl2pPr>
-      <a:lvl3pPr lvl="2" marR="0" rtl="0" algn="l">
+      <a:lvl3pPr marR="0" lvl="2" algn="l" rtl="0">
         <a:lnSpc>
           <a:spcPct val="100000"/>
         </a:lnSpc>
@@ -4246,7 +4542,7 @@
           <a:spcPts val="0"/>
         </a:spcAft>
         <a:buNone/>
-        <a:defRPr b="0" i="0" sz="1400" u="none" cap="none" strike="noStrike">
+        <a:defRPr sz="1400" b="0" i="0" u="none" strike="noStrike" cap="none">
           <a:solidFill>
             <a:srgbClr val="000000"/>
           </a:solidFill>
@@ -4256,7 +4552,7 @@
           <a:sym typeface="Arial"/>
         </a:defRPr>
       </a:lvl3pPr>
-      <a:lvl4pPr lvl="3" marR="0" rtl="0" algn="l">
+      <a:lvl4pPr marR="0" lvl="3" algn="l" rtl="0">
         <a:lnSpc>
           <a:spcPct val="100000"/>
         </a:lnSpc>
@@ -4267,7 +4563,7 @@
           <a:spcPts val="0"/>
         </a:spcAft>
         <a:buNone/>
-        <a:defRPr b="0" i="0" sz="1400" u="none" cap="none" strike="noStrike">
+        <a:defRPr sz="1400" b="0" i="0" u="none" strike="noStrike" cap="none">
           <a:solidFill>
             <a:srgbClr val="000000"/>
           </a:solidFill>
@@ -4277,7 +4573,7 @@
           <a:sym typeface="Arial"/>
         </a:defRPr>
       </a:lvl4pPr>
-      <a:lvl5pPr lvl="4" marR="0" rtl="0" algn="l">
+      <a:lvl5pPr marR="0" lvl="4" algn="l" rtl="0">
         <a:lnSpc>
           <a:spcPct val="100000"/>
         </a:lnSpc>
@@ -4288,7 +4584,7 @@
           <a:spcPts val="0"/>
         </a:spcAft>
         <a:buNone/>
-        <a:defRPr b="0" i="0" sz="1400" u="none" cap="none" strike="noStrike">
+        <a:defRPr sz="1400" b="0" i="0" u="none" strike="noStrike" cap="none">
           <a:solidFill>
             <a:srgbClr val="000000"/>
           </a:solidFill>
@@ -4298,7 +4594,7 @@
           <a:sym typeface="Arial"/>
         </a:defRPr>
       </a:lvl5pPr>
-      <a:lvl6pPr lvl="5" marR="0" rtl="0" algn="l">
+      <a:lvl6pPr marR="0" lvl="5" algn="l" rtl="0">
         <a:lnSpc>
           <a:spcPct val="100000"/>
         </a:lnSpc>
@@ -4309,7 +4605,7 @@
           <a:spcPts val="0"/>
         </a:spcAft>
         <a:buNone/>
-        <a:defRPr b="0" i="0" sz="1400" u="none" cap="none" strike="noStrike">
+        <a:defRPr sz="1400" b="0" i="0" u="none" strike="noStrike" cap="none">
           <a:solidFill>
             <a:srgbClr val="000000"/>
           </a:solidFill>
@@ -4319,7 +4615,7 @@
           <a:sym typeface="Arial"/>
         </a:defRPr>
       </a:lvl6pPr>
-      <a:lvl7pPr lvl="6" marR="0" rtl="0" algn="l">
+      <a:lvl7pPr marR="0" lvl="6" algn="l" rtl="0">
         <a:lnSpc>
           <a:spcPct val="100000"/>
         </a:lnSpc>
@@ -4330,7 +4626,7 @@
           <a:spcPts val="0"/>
         </a:spcAft>
         <a:buNone/>
-        <a:defRPr b="0" i="0" sz="1400" u="none" cap="none" strike="noStrike">
+        <a:defRPr sz="1400" b="0" i="0" u="none" strike="noStrike" cap="none">
           <a:solidFill>
             <a:srgbClr val="000000"/>
           </a:solidFill>
@@ -4340,7 +4636,7 @@
           <a:sym typeface="Arial"/>
         </a:defRPr>
       </a:lvl7pPr>
-      <a:lvl8pPr lvl="7" marR="0" rtl="0" algn="l">
+      <a:lvl8pPr marR="0" lvl="7" algn="l" rtl="0">
         <a:lnSpc>
           <a:spcPct val="100000"/>
         </a:lnSpc>
@@ -4351,7 +4647,7 @@
           <a:spcPts val="0"/>
         </a:spcAft>
         <a:buNone/>
-        <a:defRPr b="0" i="0" sz="1400" u="none" cap="none" strike="noStrike">
+        <a:defRPr sz="1400" b="0" i="0" u="none" strike="noStrike" cap="none">
           <a:solidFill>
             <a:srgbClr val="000000"/>
           </a:solidFill>
@@ -4361,7 +4657,7 @@
           <a:sym typeface="Arial"/>
         </a:defRPr>
       </a:lvl8pPr>
-      <a:lvl9pPr lvl="8" marR="0" rtl="0" algn="l">
+      <a:lvl9pPr marR="0" lvl="8" algn="l" rtl="0">
         <a:lnSpc>
           <a:spcPct val="100000"/>
         </a:lnSpc>
@@ -4372,7 +4668,7 @@
           <a:spcPts val="0"/>
         </a:spcAft>
         <a:buNone/>
-        <a:defRPr b="0" i="0" sz="1400" u="none" cap="none" strike="noStrike">
+        <a:defRPr sz="1400" b="0" i="0" u="none" strike="noStrike" cap="none">
           <a:solidFill>
             <a:srgbClr val="000000"/>
           </a:solidFill>
@@ -4388,11 +4684,11 @@
 </file>
 
 <file path=ppt/slides/slide1.xml><?xml version="1.0" encoding="utf-8"?>
-<p:sld xmlns:a="http://schemas.openxmlformats.org/drawingml/2006/main" xmlns:r="http://schemas.openxmlformats.org/officeDocument/2006/relationships" xmlns:mc="http://schemas.openxmlformats.org/markup-compatibility/2006" xmlns:mv="urn:schemas-microsoft-com:mac:vml" xmlns:p="http://schemas.openxmlformats.org/presentationml/2006/main" xmlns:c="http://schemas.openxmlformats.org/drawingml/2006/chart" xmlns:dgm="http://schemas.openxmlformats.org/drawingml/2006/diagram" xmlns:o="urn:schemas-microsoft-com:office:office" xmlns:v="urn:schemas-microsoft-com:vml" xmlns:pvml="urn:schemas-microsoft-com:office:powerpoint" xmlns:com="http://schemas.openxmlformats.org/drawingml/2006/compatibility" xmlns:p14="http://schemas.microsoft.com/office/powerpoint/2010/main">
+<p:sld xmlns:a="http://schemas.openxmlformats.org/drawingml/2006/main" xmlns:r="http://schemas.openxmlformats.org/officeDocument/2006/relationships" xmlns:p="http://schemas.openxmlformats.org/presentationml/2006/main">
   <p:cSld>
     <p:spTree>
       <p:nvGrpSpPr>
-        <p:cNvPr id="55" name="Shape 55"/>
+        <p:cNvPr id="1" name="Shape 55"/>
         <p:cNvGrpSpPr/>
         <p:nvPr/>
       </p:nvGrpSpPr>
@@ -4407,7 +4703,9 @@
       <p:sp>
         <p:nvSpPr>
           <p:cNvPr id="56" name="Shape 56"/>
-          <p:cNvSpPr txBox="1"/>
+          <p:cNvSpPr txBox="1">
+            <a:spLocks noGrp="1"/>
+          </p:cNvSpPr>
           <p:nvPr>
             <p:ph type="ctrTitle"/>
           </p:nvPr>
@@ -4422,7 +4720,7 @@
           </a:prstGeom>
         </p:spPr>
         <p:txBody>
-          <a:bodyPr anchorCtr="0" anchor="b" bIns="91425" lIns="91425" rIns="91425" tIns="91425">
+          <a:bodyPr lIns="91425" tIns="91425" rIns="91425" bIns="91425" anchor="b" anchorCtr="0">
             <a:noAutofit/>
           </a:bodyPr>
           <a:lstStyle/>
@@ -4443,9 +4741,11 @@
       <p:sp>
         <p:nvSpPr>
           <p:cNvPr id="57" name="Shape 57"/>
-          <p:cNvSpPr txBox="1"/>
+          <p:cNvSpPr txBox="1">
+            <a:spLocks noGrp="1"/>
+          </p:cNvSpPr>
           <p:nvPr>
-            <p:ph idx="1" type="subTitle"/>
+            <p:ph type="subTitle" idx="1"/>
           </p:nvPr>
         </p:nvSpPr>
         <p:spPr>
@@ -4458,7 +4758,7 @@
           </a:prstGeom>
         </p:spPr>
         <p:txBody>
-          <a:bodyPr anchorCtr="0" anchor="t" bIns="91425" lIns="91425" rIns="91425" tIns="91425">
+          <a:bodyPr lIns="91425" tIns="91425" rIns="91425" bIns="91425" anchor="t" anchorCtr="0">
             <a:noAutofit/>
           </a:bodyPr>
           <a:lstStyle/>
@@ -4469,9 +4769,6 @@
               </a:spcBef>
               <a:buNone/>
             </a:pPr>
-            <a:r>
-              <a:t/>
-            </a:r>
             <a:endParaRPr/>
           </a:p>
         </p:txBody>
@@ -4485,11 +4782,11 @@
 </file>
 
 <file path=ppt/slides/slide2.xml><?xml version="1.0" encoding="utf-8"?>
-<p:sld xmlns:a="http://schemas.openxmlformats.org/drawingml/2006/main" xmlns:r="http://schemas.openxmlformats.org/officeDocument/2006/relationships" xmlns:mc="http://schemas.openxmlformats.org/markup-compatibility/2006" xmlns:mv="urn:schemas-microsoft-com:mac:vml" xmlns:p="http://schemas.openxmlformats.org/presentationml/2006/main" xmlns:c="http://schemas.openxmlformats.org/drawingml/2006/chart" xmlns:dgm="http://schemas.openxmlformats.org/drawingml/2006/diagram" xmlns:o="urn:schemas-microsoft-com:office:office" xmlns:v="urn:schemas-microsoft-com:vml" xmlns:pvml="urn:schemas-microsoft-com:office:powerpoint" xmlns:com="http://schemas.openxmlformats.org/drawingml/2006/compatibility" xmlns:p14="http://schemas.microsoft.com/office/powerpoint/2010/main">
+<p:sld xmlns:a="http://schemas.openxmlformats.org/drawingml/2006/main" xmlns:r="http://schemas.openxmlformats.org/officeDocument/2006/relationships" xmlns:p="http://schemas.openxmlformats.org/presentationml/2006/main">
   <p:cSld>
     <p:spTree>
       <p:nvGrpSpPr>
-        <p:cNvPr id="61" name="Shape 61"/>
+        <p:cNvPr id="1" name="Shape 61"/>
         <p:cNvGrpSpPr/>
         <p:nvPr/>
       </p:nvGrpSpPr>
@@ -4504,7 +4801,148 @@
       <p:sp>
         <p:nvSpPr>
           <p:cNvPr id="62" name="Shape 62"/>
-          <p:cNvSpPr txBox="1"/>
+          <p:cNvSpPr txBox="1">
+            <a:spLocks noGrp="1"/>
+          </p:cNvSpPr>
+          <p:nvPr>
+            <p:ph type="title"/>
+          </p:nvPr>
+        </p:nvSpPr>
+        <p:spPr>
+          <a:xfrm>
+            <a:off x="311700" y="425570"/>
+            <a:ext cx="8520600" cy="572700"/>
+          </a:xfrm>
+          <a:prstGeom prst="rect">
+            <a:avLst/>
+          </a:prstGeom>
+        </p:spPr>
+        <p:txBody>
+          <a:bodyPr lIns="91425" tIns="91425" rIns="91425" bIns="91425" anchor="t" anchorCtr="0">
+            <a:noAutofit/>
+          </a:bodyPr>
+          <a:lstStyle/>
+          <a:p>
+            <a:pPr lvl="0"/>
+            <a:r>
+              <a:rPr lang="en-US" dirty="0">
+                <a:hlinkClick r:id="rId3"/>
+              </a:rPr>
+              <a:t>Product Vision</a:t>
+            </a:r>
+            <a:r>
+              <a:rPr lang="en" dirty="0" smtClean="0"/>
+              <a:t> </a:t>
+            </a:r>
+            <a:endParaRPr lang="en" dirty="0"/>
+          </a:p>
+        </p:txBody>
+      </p:sp>
+      <p:sp>
+        <p:nvSpPr>
+          <p:cNvPr id="63" name="Shape 63"/>
+          <p:cNvSpPr txBox="1">
+            <a:spLocks noGrp="1"/>
+          </p:cNvSpPr>
+          <p:nvPr>
+            <p:ph type="body" idx="1"/>
+          </p:nvPr>
+        </p:nvSpPr>
+        <p:spPr>
+          <a:xfrm>
+            <a:off x="311700" y="1152475"/>
+            <a:ext cx="8520600" cy="3416400"/>
+          </a:xfrm>
+          <a:prstGeom prst="rect">
+            <a:avLst/>
+          </a:prstGeom>
+        </p:spPr>
+        <p:txBody>
+          <a:bodyPr lIns="91425" tIns="91425" rIns="91425" bIns="91425" anchor="t" anchorCtr="0">
+            <a:noAutofit/>
+          </a:bodyPr>
+          <a:lstStyle/>
+          <a:p>
+            <a:pPr lvl="0">
+              <a:spcBef>
+                <a:spcPts val="0"/>
+              </a:spcBef>
+              <a:buNone/>
+            </a:pPr>
+            <a:r>
+              <a:rPr lang="en" dirty="0"/>
+              <a:t>-An application that uses a database to track and record the simulated growth of a plant that’s based on a real one. </a:t>
+            </a:r>
+          </a:p>
+          <a:p>
+            <a:pPr lvl="0">
+              <a:spcBef>
+                <a:spcPts val="0"/>
+              </a:spcBef>
+              <a:buNone/>
+            </a:pPr>
+            <a:r>
+              <a:rPr lang="en" dirty="0"/>
+              <a:t>-The database tracks the current weather location, the optimal growth of the plant, and the actual growth of the plant</a:t>
+            </a:r>
+          </a:p>
+          <a:p>
+            <a:pPr lvl="0">
+              <a:spcBef>
+                <a:spcPts val="0"/>
+              </a:spcBef>
+              <a:buNone/>
+            </a:pPr>
+            <a:r>
+              <a:rPr lang="en" dirty="0"/>
+              <a:t>-To forward growth the end user needs to water the plant based on the type, and should consider daily weather patterns. </a:t>
+            </a:r>
+          </a:p>
+          <a:p>
+            <a:pPr lvl="0">
+              <a:spcBef>
+                <a:spcPts val="0"/>
+              </a:spcBef>
+              <a:buNone/>
+            </a:pPr>
+            <a:r>
+              <a:rPr lang="en" dirty="0"/>
+              <a:t>-The goal is to teach the end user how to care for a certain real-life plant, while also taking into consideration the location, which is more of a dynamic factor. </a:t>
+            </a:r>
+          </a:p>
+        </p:txBody>
+      </p:sp>
+    </p:spTree>
+  </p:cSld>
+  <p:clrMapOvr>
+    <a:masterClrMapping/>
+  </p:clrMapOvr>
+</p:sld>
+</file>
+
+<file path=ppt/slides/slide3.xml><?xml version="1.0" encoding="utf-8"?>
+<p:sld xmlns:a="http://schemas.openxmlformats.org/drawingml/2006/main" xmlns:r="http://schemas.openxmlformats.org/officeDocument/2006/relationships" xmlns:p="http://schemas.openxmlformats.org/presentationml/2006/main">
+  <p:cSld>
+    <p:spTree>
+      <p:nvGrpSpPr>
+        <p:cNvPr id="1" name="Shape 67"/>
+        <p:cNvGrpSpPr/>
+        <p:nvPr/>
+      </p:nvGrpSpPr>
+      <p:grpSpPr>
+        <a:xfrm>
+          <a:off x="0" y="0"/>
+          <a:ext cx="0" cy="0"/>
+          <a:chOff x="0" y="0"/>
+          <a:chExt cx="0" cy="0"/>
+        </a:xfrm>
+      </p:grpSpPr>
+      <p:sp>
+        <p:nvSpPr>
+          <p:cNvPr id="68" name="Shape 68"/>
+          <p:cNvSpPr txBox="1">
+            <a:spLocks noGrp="1"/>
+          </p:cNvSpPr>
           <p:nvPr>
             <p:ph type="title"/>
           </p:nvPr>
@@ -4519,7 +4957,7 @@
           </a:prstGeom>
         </p:spPr>
         <p:txBody>
-          <a:bodyPr anchorCtr="0" anchor="t" bIns="91425" lIns="91425" rIns="91425" tIns="91425">
+          <a:bodyPr lIns="91425" tIns="91425" rIns="91425" bIns="91425" anchor="t" anchorCtr="0">
             <a:noAutofit/>
           </a:bodyPr>
           <a:lstStyle/>
@@ -4532,17 +4970,19 @@
             </a:pPr>
             <a:r>
               <a:rPr lang="en"/>
-              <a:t>The Idea</a:t>
+              <a:t>Execution</a:t>
             </a:r>
           </a:p>
         </p:txBody>
       </p:sp>
       <p:sp>
         <p:nvSpPr>
-          <p:cNvPr id="63" name="Shape 63"/>
-          <p:cNvSpPr txBox="1"/>
+          <p:cNvPr id="69" name="Shape 69"/>
+          <p:cNvSpPr txBox="1">
+            <a:spLocks noGrp="1"/>
+          </p:cNvSpPr>
           <p:nvPr>
-            <p:ph idx="1" type="body"/>
+            <p:ph type="body" idx="1"/>
           </p:nvPr>
         </p:nvSpPr>
         <p:spPr>
@@ -4555,7 +4995,7 @@
           </a:prstGeom>
         </p:spPr>
         <p:txBody>
-          <a:bodyPr anchorCtr="0" anchor="t" bIns="91425" lIns="91425" rIns="91425" tIns="91425">
+          <a:bodyPr lIns="91425" tIns="91425" rIns="91425" bIns="91425" anchor="t" anchorCtr="0">
             <a:noAutofit/>
           </a:bodyPr>
           <a:lstStyle/>
@@ -4567,9 +5007,29 @@
               <a:buNone/>
             </a:pPr>
             <a:r>
-              <a:rPr lang="en"/>
-              <a:t>-An application that uses a database to track and record the simulated growth of a plant that’s based on a real one. </a:t>
+              <a:rPr lang="en" dirty="0"/>
+              <a:t>The app was made with web programing</a:t>
             </a:r>
+          </a:p>
+          <a:p>
+            <a:pPr lvl="0"/>
+            <a:r>
+              <a:rPr lang="en" dirty="0"/>
+              <a:t>Files were exchanged with the group through github. </a:t>
+            </a:r>
+            <a:endParaRPr lang="en" dirty="0" smtClean="0"/>
+          </a:p>
+          <a:p>
+            <a:pPr lvl="0"/>
+            <a:r>
+              <a:rPr lang="en-US" dirty="0" smtClean="0"/>
+              <a:t>https</a:t>
+            </a:r>
+            <a:r>
+              <a:rPr lang="en-US" dirty="0"/>
+              <a:t>://github.com/lordandytran/PlantSim</a:t>
+            </a:r>
+            <a:endParaRPr lang="en" dirty="0"/>
           </a:p>
           <a:p>
             <a:pPr lvl="0">
@@ -4579,32 +5039,12 @@
               <a:buNone/>
             </a:pPr>
             <a:r>
-              <a:rPr lang="en"/>
-              <a:t>-The database tracks the current weather location, the optimal growth of the plant, and the actual growth of the plant</a:t>
+              <a:rPr lang="en" dirty="0"/>
+              <a:t>SQL database was used, which holds the location data, plant growth goals, and writes the current state of the plant </a:t>
             </a:r>
-          </a:p>
-          <a:p>
-            <a:pPr lvl="0">
-              <a:spcBef>
-                <a:spcPts val="0"/>
-              </a:spcBef>
-              <a:buNone/>
-            </a:pPr>
             <a:r>
-              <a:rPr lang="en"/>
-              <a:t>-To forward growth the end user needs to water the plant based on the type, and should consider daily weather patterns. </a:t>
-            </a:r>
-          </a:p>
-          <a:p>
-            <a:pPr lvl="0">
-              <a:spcBef>
-                <a:spcPts val="0"/>
-              </a:spcBef>
-              <a:buNone/>
-            </a:pPr>
-            <a:r>
-              <a:rPr lang="en"/>
-              <a:t>-The goal is to teach the end user how to care for a certain real-life plant, while also taking into consideration the location, which is more of a dynamic factor. </a:t>
+              <a:rPr lang="en" dirty="0" smtClean="0"/>
+              <a:t>growth</a:t>
             </a:r>
           </a:p>
         </p:txBody>
@@ -4617,12 +5057,12 @@
 </p:sld>
 </file>
 
-<file path=ppt/slides/slide3.xml><?xml version="1.0" encoding="utf-8"?>
-<p:sld xmlns:a="http://schemas.openxmlformats.org/drawingml/2006/main" xmlns:r="http://schemas.openxmlformats.org/officeDocument/2006/relationships" xmlns:mc="http://schemas.openxmlformats.org/markup-compatibility/2006" xmlns:mv="urn:schemas-microsoft-com:mac:vml" xmlns:p="http://schemas.openxmlformats.org/presentationml/2006/main" xmlns:c="http://schemas.openxmlformats.org/drawingml/2006/chart" xmlns:dgm="http://schemas.openxmlformats.org/drawingml/2006/diagram" xmlns:o="urn:schemas-microsoft-com:office:office" xmlns:v="urn:schemas-microsoft-com:vml" xmlns:pvml="urn:schemas-microsoft-com:office:powerpoint" xmlns:com="http://schemas.openxmlformats.org/drawingml/2006/compatibility" xmlns:p14="http://schemas.microsoft.com/office/powerpoint/2010/main">
+<file path=ppt/slides/slide4.xml><?xml version="1.0" encoding="utf-8"?>
+<p:sld xmlns:a="http://schemas.openxmlformats.org/drawingml/2006/main" xmlns:r="http://schemas.openxmlformats.org/officeDocument/2006/relationships" xmlns:p="http://schemas.openxmlformats.org/presentationml/2006/main">
   <p:cSld>
     <p:spTree>
       <p:nvGrpSpPr>
-        <p:cNvPr id="67" name="Shape 67"/>
+        <p:cNvPr id="1" name="Shape 73"/>
         <p:cNvGrpSpPr/>
         <p:nvPr/>
       </p:nvGrpSpPr>
@@ -4636,8 +5076,10 @@
       </p:grpSpPr>
       <p:sp>
         <p:nvSpPr>
-          <p:cNvPr id="68" name="Shape 68"/>
-          <p:cNvSpPr txBox="1"/>
+          <p:cNvPr id="74" name="Shape 74"/>
+          <p:cNvSpPr txBox="1">
+            <a:spLocks noGrp="1"/>
+          </p:cNvSpPr>
           <p:nvPr>
             <p:ph type="title"/>
           </p:nvPr>
@@ -4652,7 +5094,7 @@
           </a:prstGeom>
         </p:spPr>
         <p:txBody>
-          <a:bodyPr anchorCtr="0" anchor="t" bIns="91425" lIns="91425" rIns="91425" tIns="91425">
+          <a:bodyPr lIns="91425" tIns="91425" rIns="91425" bIns="91425" anchor="t" anchorCtr="0">
             <a:noAutofit/>
           </a:bodyPr>
           <a:lstStyle/>
@@ -4664,18 +5106,21 @@
               <a:buNone/>
             </a:pPr>
             <a:r>
-              <a:rPr lang="en"/>
-              <a:t>Execution</a:t>
+              <a:rPr lang="en-US" dirty="0" smtClean="0"/>
+              <a:t>Web-page</a:t>
             </a:r>
+            <a:endParaRPr dirty="0"/>
           </a:p>
         </p:txBody>
       </p:sp>
       <p:sp>
         <p:nvSpPr>
-          <p:cNvPr id="69" name="Shape 69"/>
-          <p:cNvSpPr txBox="1"/>
+          <p:cNvPr id="75" name="Shape 75"/>
+          <p:cNvSpPr txBox="1">
+            <a:spLocks noGrp="1"/>
+          </p:cNvSpPr>
           <p:nvPr>
-            <p:ph idx="1" type="body"/>
+            <p:ph type="body" idx="1"/>
           </p:nvPr>
         </p:nvSpPr>
         <p:spPr>
@@ -4688,45 +5133,82 @@
           </a:prstGeom>
         </p:spPr>
         <p:txBody>
-          <a:bodyPr anchorCtr="0" anchor="t" bIns="91425" lIns="91425" rIns="91425" tIns="91425">
+          <a:bodyPr lIns="91425" tIns="91425" rIns="91425" bIns="91425" anchor="t" anchorCtr="0">
             <a:noAutofit/>
           </a:bodyPr>
           <a:lstStyle/>
           <a:p>
+            <a:pPr lvl="0"/>
+            <a:r>
+              <a:rPr lang="en-US" dirty="0" smtClean="0"/>
+              <a:t>- </a:t>
+            </a:r>
+            <a:r>
+              <a:rPr lang="en-US" dirty="0"/>
+              <a:t>The framework uses the @</a:t>
+            </a:r>
+            <a:r>
+              <a:rPr lang="en-US" dirty="0" err="1"/>
+              <a:t>ManagedBean</a:t>
+            </a:r>
+            <a:r>
+              <a:rPr lang="en-US" dirty="0"/>
+              <a:t> to represent frontend elements, so create a unique name identifier for each class as well as getters for each field.</a:t>
+            </a:r>
+          </a:p>
+          <a:p>
+            <a:pPr lvl="0"/>
+            <a:r>
+              <a:rPr lang="en-US" dirty="0"/>
+              <a:t> - Classes are instantiated, so the server will create a class when the page runs code that asks for it. To instantiate a class when the server runs, use @eager with the @</a:t>
+            </a:r>
+            <a:r>
+              <a:rPr lang="en-US" dirty="0" err="1"/>
+              <a:t>ManagedBean</a:t>
+            </a:r>
+            <a:r>
+              <a:rPr lang="en-US" dirty="0"/>
+              <a:t> </a:t>
+            </a:r>
+          </a:p>
+          <a:p>
+            <a:pPr lvl="0"/>
+            <a:r>
+              <a:rPr lang="en-US" dirty="0"/>
+              <a:t> - </a:t>
+            </a:r>
+            <a:r>
+              <a:rPr lang="en-US" dirty="0" err="1"/>
+              <a:t>index.xhtml</a:t>
+            </a:r>
+            <a:r>
+              <a:rPr lang="en-US" dirty="0"/>
+              <a:t> is the main webpage</a:t>
+            </a:r>
+          </a:p>
+          <a:p>
+            <a:pPr lvl="0"/>
+            <a:r>
+              <a:rPr lang="en-US" dirty="0"/>
+              <a:t> - Frontend elements can be represented by #{</a:t>
+            </a:r>
+            <a:r>
+              <a:rPr lang="en-US" dirty="0" err="1"/>
+              <a:t>uniquename.fieldName</a:t>
+            </a:r>
+            <a:r>
+              <a:rPr lang="en-US" dirty="0"/>
+              <a:t>} in the html</a:t>
+            </a:r>
+          </a:p>
+          <a:p>
             <a:pPr lvl="0">
               <a:spcBef>
                 <a:spcPts val="0"/>
               </a:spcBef>
               <a:buNone/>
             </a:pPr>
-            <a:r>
-              <a:rPr lang="en"/>
-              <a:t>The app was made with web programing</a:t>
-            </a:r>
-          </a:p>
-          <a:p>
-            <a:pPr lvl="0">
-              <a:spcBef>
-                <a:spcPts val="0"/>
-              </a:spcBef>
-              <a:buNone/>
-            </a:pPr>
-            <a:r>
-              <a:rPr lang="en"/>
-              <a:t>Files were exchanged with the group through github. </a:t>
-            </a:r>
-          </a:p>
-          <a:p>
-            <a:pPr lvl="0">
-              <a:spcBef>
-                <a:spcPts val="0"/>
-              </a:spcBef>
-              <a:buNone/>
-            </a:pPr>
-            <a:r>
-              <a:rPr lang="en"/>
-              <a:t>SQL database was used, which holds the location data, plant growth goals, and writes the current state of the plant growth</a:t>
-            </a:r>
+            <a:endParaRPr dirty="0"/>
           </a:p>
         </p:txBody>
       </p:sp>
@@ -4738,12 +5220,12 @@
 </p:sld>
 </file>
 
-<file path=ppt/slides/slide4.xml><?xml version="1.0" encoding="utf-8"?>
-<p:sld xmlns:a="http://schemas.openxmlformats.org/drawingml/2006/main" xmlns:r="http://schemas.openxmlformats.org/officeDocument/2006/relationships" xmlns:mc="http://schemas.openxmlformats.org/markup-compatibility/2006" xmlns:mv="urn:schemas-microsoft-com:mac:vml" xmlns:p="http://schemas.openxmlformats.org/presentationml/2006/main" xmlns:c="http://schemas.openxmlformats.org/drawingml/2006/chart" xmlns:dgm="http://schemas.openxmlformats.org/drawingml/2006/diagram" xmlns:o="urn:schemas-microsoft-com:office:office" xmlns:v="urn:schemas-microsoft-com:vml" xmlns:pvml="urn:schemas-microsoft-com:office:powerpoint" xmlns:com="http://schemas.openxmlformats.org/drawingml/2006/compatibility" xmlns:p14="http://schemas.microsoft.com/office/powerpoint/2010/main">
+<file path=ppt/slides/slide5.xml><?xml version="1.0" encoding="utf-8"?>
+<p:sld xmlns:a="http://schemas.openxmlformats.org/drawingml/2006/main" xmlns:r="http://schemas.openxmlformats.org/officeDocument/2006/relationships" xmlns:p="http://schemas.openxmlformats.org/presentationml/2006/main">
   <p:cSld>
     <p:spTree>
       <p:nvGrpSpPr>
-        <p:cNvPr id="73" name="Shape 73"/>
+        <p:cNvPr id="1" name=""/>
         <p:cNvGrpSpPr/>
         <p:nvPr/>
       </p:nvGrpSpPr>
@@ -4757,77 +5239,255 @@
       </p:grpSpPr>
       <p:sp>
         <p:nvSpPr>
-          <p:cNvPr id="74" name="Shape 74"/>
-          <p:cNvSpPr txBox="1"/>
+          <p:cNvPr id="2" name="Title 1"/>
+          <p:cNvSpPr>
+            <a:spLocks noGrp="1"/>
+          </p:cNvSpPr>
           <p:nvPr>
             <p:ph type="title"/>
           </p:nvPr>
         </p:nvSpPr>
+        <p:spPr/>
+        <p:txBody>
+          <a:bodyPr/>
+          <a:lstStyle/>
+          <a:p>
+            <a:r>
+              <a:rPr lang="en-US" dirty="0" smtClean="0"/>
+              <a:t>Data Base</a:t>
+            </a:r>
+            <a:endParaRPr lang="en-US" dirty="0"/>
+          </a:p>
+        </p:txBody>
+      </p:sp>
+      <p:sp>
+        <p:nvSpPr>
+          <p:cNvPr id="3" name="Text Placeholder 2"/>
+          <p:cNvSpPr>
+            <a:spLocks noGrp="1"/>
+          </p:cNvSpPr>
+          <p:nvPr>
+            <p:ph type="body" idx="1"/>
+          </p:nvPr>
+        </p:nvSpPr>
+        <p:spPr/>
+        <p:txBody>
+          <a:bodyPr/>
+          <a:lstStyle/>
+          <a:p>
+            <a:r>
+              <a:rPr lang="en-US" dirty="0" smtClean="0"/>
+              <a:t>MySQL was used to store plant data of tulips and how to grow them </a:t>
+            </a:r>
+          </a:p>
+          <a:p>
+            <a:r>
+              <a:rPr lang="en-US" dirty="0" smtClean="0"/>
+              <a:t>Weather Data was also stored in the database</a:t>
+            </a:r>
+            <a:endParaRPr lang="en-US" dirty="0"/>
+          </a:p>
+        </p:txBody>
+      </p:sp>
+    </p:spTree>
+    <p:extLst>
+      <p:ext uri="{BB962C8B-B14F-4D97-AF65-F5344CB8AC3E}">
+        <p14:creationId xmlns:p14="http://schemas.microsoft.com/office/powerpoint/2010/main" val="1346794576"/>
+      </p:ext>
+    </p:extLst>
+  </p:cSld>
+  <p:clrMapOvr>
+    <a:masterClrMapping/>
+  </p:clrMapOvr>
+</p:sld>
+</file>
+
+<file path=ppt/slides/slide6.xml><?xml version="1.0" encoding="utf-8"?>
+<p:sld xmlns:a="http://schemas.openxmlformats.org/drawingml/2006/main" xmlns:r="http://schemas.openxmlformats.org/officeDocument/2006/relationships" xmlns:p="http://schemas.openxmlformats.org/presentationml/2006/main">
+  <p:cSld>
+    <p:spTree>
+      <p:nvGrpSpPr>
+        <p:cNvPr id="1" name=""/>
+        <p:cNvGrpSpPr/>
+        <p:nvPr/>
+      </p:nvGrpSpPr>
+      <p:grpSpPr>
+        <a:xfrm>
+          <a:off x="0" y="0"/>
+          <a:ext cx="0" cy="0"/>
+          <a:chOff x="0" y="0"/>
+          <a:chExt cx="0" cy="0"/>
+        </a:xfrm>
+      </p:grpSpPr>
+      <p:sp>
+        <p:nvSpPr>
+          <p:cNvPr id="2" name="Title 1"/>
+          <p:cNvSpPr>
+            <a:spLocks noGrp="1"/>
+          </p:cNvSpPr>
+          <p:nvPr>
+            <p:ph type="title"/>
+          </p:nvPr>
+        </p:nvSpPr>
+        <p:spPr/>
+        <p:txBody>
+          <a:bodyPr/>
+          <a:lstStyle/>
+          <a:p>
+            <a:r>
+              <a:rPr lang="en-US" dirty="0" smtClean="0"/>
+              <a:t>Organization</a:t>
+            </a:r>
+            <a:endParaRPr lang="en-US" dirty="0"/>
+          </a:p>
+        </p:txBody>
+      </p:sp>
+      <p:sp>
+        <p:nvSpPr>
+          <p:cNvPr id="3" name="Text Placeholder 2"/>
+          <p:cNvSpPr>
+            <a:spLocks noGrp="1"/>
+          </p:cNvSpPr>
+          <p:nvPr>
+            <p:ph type="body" idx="1"/>
+          </p:nvPr>
+        </p:nvSpPr>
+        <p:spPr/>
+        <p:txBody>
+          <a:bodyPr/>
+          <a:lstStyle/>
+          <a:p>
+            <a:r>
+              <a:rPr lang="en-US" dirty="0" smtClean="0"/>
+              <a:t>The group worked in sprints, and utilized agile methods we learned. Sample product backlog planning. </a:t>
+            </a:r>
+          </a:p>
+        </p:txBody>
+      </p:sp>
+      <p:pic>
+        <p:nvPicPr>
+          <p:cNvPr id="4" name="Picture 3"/>
+          <p:cNvPicPr>
+            <a:picLocks noChangeAspect="1"/>
+          </p:cNvPicPr>
+          <p:nvPr/>
+        </p:nvPicPr>
+        <p:blipFill>
+          <a:blip r:embed="rId2">
+            <a:extLst>
+              <a:ext uri="{28A0092B-C50C-407E-A947-70E740481C1C}">
+                <a14:useLocalDpi xmlns:a14="http://schemas.microsoft.com/office/drawing/2010/main" val="0"/>
+              </a:ext>
+            </a:extLst>
+          </a:blip>
+          <a:stretch>
+            <a:fillRect/>
+          </a:stretch>
+        </p:blipFill>
         <p:spPr>
           <a:xfrm>
-            <a:off x="311700" y="445025"/>
-            <a:ext cx="8520600" cy="572700"/>
+            <a:off x="311700" y="1979755"/>
+            <a:ext cx="7866498" cy="1658390"/>
           </a:xfrm>
           <a:prstGeom prst="rect">
             <a:avLst/>
           </a:prstGeom>
         </p:spPr>
+      </p:pic>
+    </p:spTree>
+    <p:extLst>
+      <p:ext uri="{BB962C8B-B14F-4D97-AF65-F5344CB8AC3E}">
+        <p14:creationId xmlns:p14="http://schemas.microsoft.com/office/powerpoint/2010/main" val="2543691098"/>
+      </p:ext>
+    </p:extLst>
+  </p:cSld>
+  <p:clrMapOvr>
+    <a:masterClrMapping/>
+  </p:clrMapOvr>
+</p:sld>
+</file>
+
+<file path=ppt/slides/slide7.xml><?xml version="1.0" encoding="utf-8"?>
+<p:sld xmlns:a="http://schemas.openxmlformats.org/drawingml/2006/main" xmlns:r="http://schemas.openxmlformats.org/officeDocument/2006/relationships" xmlns:p="http://schemas.openxmlformats.org/presentationml/2006/main">
+  <p:cSld>
+    <p:spTree>
+      <p:nvGrpSpPr>
+        <p:cNvPr id="1" name=""/>
+        <p:cNvGrpSpPr/>
+        <p:nvPr/>
+      </p:nvGrpSpPr>
+      <p:grpSpPr>
+        <a:xfrm>
+          <a:off x="0" y="0"/>
+          <a:ext cx="0" cy="0"/>
+          <a:chOff x="0" y="0"/>
+          <a:chExt cx="0" cy="0"/>
+        </a:xfrm>
+      </p:grpSpPr>
+      <p:sp>
+        <p:nvSpPr>
+          <p:cNvPr id="2" name="Title 1"/>
+          <p:cNvSpPr>
+            <a:spLocks noGrp="1"/>
+          </p:cNvSpPr>
+          <p:nvPr>
+            <p:ph type="title"/>
+          </p:nvPr>
+        </p:nvSpPr>
+        <p:spPr/>
         <p:txBody>
-          <a:bodyPr anchorCtr="0" anchor="t" bIns="91425" lIns="91425" rIns="91425" tIns="91425">
-            <a:noAutofit/>
-          </a:bodyPr>
+          <a:bodyPr/>
           <a:lstStyle/>
           <a:p>
-            <a:pPr lvl="0">
-              <a:spcBef>
-                <a:spcPts val="0"/>
-              </a:spcBef>
-              <a:buNone/>
-            </a:pPr>
             <a:r>
-              <a:t/>
+              <a:rPr lang="en-US" dirty="0" smtClean="0"/>
+              <a:t>Resulting Prototype</a:t>
             </a:r>
-            <a:endParaRPr/>
+            <a:endParaRPr lang="en-US" dirty="0"/>
           </a:p>
         </p:txBody>
       </p:sp>
       <p:sp>
         <p:nvSpPr>
-          <p:cNvPr id="75" name="Shape 75"/>
-          <p:cNvSpPr txBox="1"/>
+          <p:cNvPr id="3" name="Text Placeholder 2"/>
+          <p:cNvSpPr>
+            <a:spLocks noGrp="1"/>
+          </p:cNvSpPr>
           <p:nvPr>
-            <p:ph idx="1" type="body"/>
+            <p:ph type="body" idx="1"/>
           </p:nvPr>
         </p:nvSpPr>
-        <p:spPr>
-          <a:xfrm>
-            <a:off x="311700" y="1152475"/>
-            <a:ext cx="8520600" cy="3416400"/>
-          </a:xfrm>
-          <a:prstGeom prst="rect">
-            <a:avLst/>
-          </a:prstGeom>
-        </p:spPr>
+        <p:spPr/>
         <p:txBody>
-          <a:bodyPr anchorCtr="0" anchor="t" bIns="91425" lIns="91425" rIns="91425" tIns="91425">
-            <a:noAutofit/>
-          </a:bodyPr>
+          <a:bodyPr/>
           <a:lstStyle/>
           <a:p>
-            <a:pPr lvl="0">
-              <a:spcBef>
-                <a:spcPts val="0"/>
-              </a:spcBef>
-              <a:buNone/>
-            </a:pPr>
             <a:r>
-              <a:t/>
+              <a:rPr lang="en-US" dirty="0" smtClean="0"/>
+              <a:t>A plant that has been grown using basic backend java code</a:t>
             </a:r>
-            <a:endParaRPr/>
+          </a:p>
+          <a:p>
+            <a:r>
+              <a:rPr lang="en-US" dirty="0" smtClean="0"/>
+              <a:t>The GUI is displayed as </a:t>
+            </a:r>
+            <a:r>
+              <a:rPr lang="en-US" smtClean="0"/>
+              <a:t>an html. </a:t>
+            </a:r>
+          </a:p>
+          <a:p>
+            <a:endParaRPr lang="en-US"/>
           </a:p>
         </p:txBody>
       </p:sp>
     </p:spTree>
+    <p:extLst>
+      <p:ext uri="{BB962C8B-B14F-4D97-AF65-F5344CB8AC3E}">
+        <p14:creationId xmlns:p14="http://schemas.microsoft.com/office/powerpoint/2010/main" val="3505874680"/>
+      </p:ext>
+    </p:extLst>
   </p:cSld>
   <p:clrMapOvr>
     <a:masterClrMapping/>
@@ -4836,7 +5496,7 @@
 </file>
 
 <file path=ppt/theme/theme1.xml><?xml version="1.0" encoding="utf-8"?>
-<a:theme xmlns:a="http://schemas.openxmlformats.org/drawingml/2006/main" xmlns:r="http://schemas.openxmlformats.org/officeDocument/2006/relationships" name="gameday">
+<a:theme xmlns:a="http://schemas.openxmlformats.org/drawingml/2006/main" name="gameday">
   <a:themeElements>
     <a:clrScheme name="Gameday">
       <a:dk1>
@@ -5111,11 +5771,13 @@
       </a:bgFillStyleLst>
     </a:fmtScheme>
   </a:themeElements>
+  <a:objectDefaults/>
+  <a:extraClrSchemeLst/>
 </a:theme>
 </file>
 
 <file path=ppt/theme/theme2.xml><?xml version="1.0" encoding="utf-8"?>
-<a:theme xmlns:a="http://schemas.openxmlformats.org/drawingml/2006/main" xmlns:r="http://schemas.openxmlformats.org/officeDocument/2006/relationships" name="Custom Theme">
+<a:theme xmlns:a="http://schemas.openxmlformats.org/drawingml/2006/main" name="Custom Theme">
   <a:themeElements>
     <a:clrScheme name="Default">
       <a:dk1>
@@ -5390,5 +6052,7 @@
       </a:bgFillStyleLst>
     </a:fmtScheme>
   </a:themeElements>
+  <a:objectDefaults/>
+  <a:extraClrSchemeLst/>
 </a:theme>
 </file>
--- a/Plant Sim, presentation.pptx
+++ b/Plant Sim, presentation.pptx
@@ -5,30 +5,31 @@
     <p:sldMasterId id="2147483659" r:id="rId1"/>
   </p:sldMasterIdLst>
   <p:notesMasterIdLst>
-    <p:notesMasterId r:id="rId9"/>
+    <p:notesMasterId r:id="rId10"/>
   </p:notesMasterIdLst>
   <p:sldIdLst>
     <p:sldId id="256" r:id="rId2"/>
     <p:sldId id="257" r:id="rId3"/>
     <p:sldId id="258" r:id="rId4"/>
-    <p:sldId id="259" r:id="rId5"/>
-    <p:sldId id="260" r:id="rId6"/>
-    <p:sldId id="261" r:id="rId7"/>
-    <p:sldId id="262" r:id="rId8"/>
+    <p:sldId id="261" r:id="rId5"/>
+    <p:sldId id="263" r:id="rId6"/>
+    <p:sldId id="259" r:id="rId7"/>
+    <p:sldId id="260" r:id="rId8"/>
+    <p:sldId id="262" r:id="rId9"/>
   </p:sldIdLst>
   <p:sldSz cx="9144000" cy="5143500" type="screen16x9"/>
   <p:notesSz cx="6858000" cy="9144000"/>
   <p:embeddedFontLst>
-    <p:embeddedFont>
-      <p:font typeface="Alfa Slab One" panose="020B0604020202020204" charset="0"/>
-      <p:regular r:id="rId10"/>
-    </p:embeddedFont>
     <p:embeddedFont>
       <p:font typeface="Proxima Nova" panose="020B0604020202020204" charset="0"/>
       <p:regular r:id="rId11"/>
       <p:bold r:id="rId12"/>
       <p:italic r:id="rId13"/>
       <p:boldItalic r:id="rId14"/>
+    </p:embeddedFont>
+    <p:embeddedFont>
+      <p:font typeface="Alfa Slab One" panose="020B0604020202020204" charset="0"/>
+      <p:regular r:id="rId15"/>
     </p:embeddedFont>
   </p:embeddedFontLst>
   <p:defaultTextStyle>
@@ -233,6 +234,11 @@
       </a:defRPr>
     </a:lvl9pPr>
   </p:defaultTextStyle>
+  <p:extLst>
+    <p:ext uri="{EFAFB233-063F-42B5-8137-9DF3F51BA10A}">
+      <p15:sldGuideLst xmlns:p15="http://schemas.microsoft.com/office/powerpoint/2012/main"/>
+    </p:ext>
+  </p:extLst>
 </p:presentation>
 </file>
 
@@ -5007,15 +5013,62 @@
               <a:buNone/>
             </a:pPr>
             <a:r>
+              <a:rPr lang="en" dirty="0" smtClean="0"/>
+              <a:t>-The </a:t>
+            </a:r>
+            <a:r>
               <a:rPr lang="en" dirty="0"/>
-              <a:t>The app was made with web programing</a:t>
+              <a:t>app was made with web </a:t>
             </a:r>
+            <a:r>
+              <a:rPr lang="en" dirty="0" smtClean="0"/>
+              <a:t>programing, a web server, and a SQL database, and the back-end code was done in Javascript</a:t>
+            </a:r>
+            <a:endParaRPr lang="en" dirty="0"/>
           </a:p>
           <a:p>
             <a:pPr lvl="0"/>
             <a:r>
+              <a:rPr lang="en" dirty="0" smtClean="0"/>
+              <a:t>- </a:t>
+            </a:r>
+            <a:r>
+              <a:rPr lang="en" dirty="0" smtClean="0"/>
+              <a:t>Files </a:t>
+            </a:r>
+            <a:r>
               <a:rPr lang="en" dirty="0"/>
-              <a:t>Files were exchanged with the group through github. </a:t>
+              <a:t>were exchanged with the group through </a:t>
+            </a:r>
+            <a:r>
+              <a:rPr lang="en" dirty="0" smtClean="0"/>
+              <a:t>github</a:t>
+            </a:r>
+          </a:p>
+          <a:p>
+            <a:pPr lvl="0"/>
+            <a:r>
+              <a:rPr lang="en" dirty="0" smtClean="0"/>
+              <a:t>- Communitiation was done with im, weekly meetings, and sprints </a:t>
+            </a:r>
+          </a:p>
+          <a:p>
+            <a:pPr lvl="0"/>
+            <a:r>
+              <a:rPr lang="en" dirty="0" smtClean="0"/>
+              <a:t>- </a:t>
+            </a:r>
+            <a:r>
+              <a:rPr lang="en" dirty="0" smtClean="0"/>
+              <a:t>A prototype was completed by the end of the 4</a:t>
+            </a:r>
+            <a:r>
+              <a:rPr lang="en" baseline="30000" dirty="0" smtClean="0"/>
+              <a:t>th</a:t>
+            </a:r>
+            <a:r>
+              <a:rPr lang="en" dirty="0" smtClean="0"/>
+              <a:t> sprint. </a:t>
             </a:r>
             <a:endParaRPr lang="en" dirty="0" smtClean="0"/>
           </a:p>
@@ -5058,6 +5111,261 @@
 </file>
 
 <file path=ppt/slides/slide4.xml><?xml version="1.0" encoding="utf-8"?>
+<p:sld xmlns:a="http://schemas.openxmlformats.org/drawingml/2006/main" xmlns:r="http://schemas.openxmlformats.org/officeDocument/2006/relationships" xmlns:p="http://schemas.openxmlformats.org/presentationml/2006/main">
+  <p:cSld>
+    <p:spTree>
+      <p:nvGrpSpPr>
+        <p:cNvPr id="1" name=""/>
+        <p:cNvGrpSpPr/>
+        <p:nvPr/>
+      </p:nvGrpSpPr>
+      <p:grpSpPr>
+        <a:xfrm>
+          <a:off x="0" y="0"/>
+          <a:ext cx="0" cy="0"/>
+          <a:chOff x="0" y="0"/>
+          <a:chExt cx="0" cy="0"/>
+        </a:xfrm>
+      </p:grpSpPr>
+      <p:sp>
+        <p:nvSpPr>
+          <p:cNvPr id="2" name="Title 1"/>
+          <p:cNvSpPr>
+            <a:spLocks noGrp="1"/>
+          </p:cNvSpPr>
+          <p:nvPr>
+            <p:ph type="title"/>
+          </p:nvPr>
+        </p:nvSpPr>
+        <p:spPr/>
+        <p:txBody>
+          <a:bodyPr/>
+          <a:lstStyle/>
+          <a:p>
+            <a:r>
+              <a:rPr lang="en-US" dirty="0" smtClean="0"/>
+              <a:t>Organization</a:t>
+            </a:r>
+            <a:endParaRPr lang="en-US" dirty="0"/>
+          </a:p>
+        </p:txBody>
+      </p:sp>
+      <p:sp>
+        <p:nvSpPr>
+          <p:cNvPr id="3" name="Text Placeholder 2"/>
+          <p:cNvSpPr>
+            <a:spLocks noGrp="1"/>
+          </p:cNvSpPr>
+          <p:nvPr>
+            <p:ph type="body" idx="1"/>
+          </p:nvPr>
+        </p:nvSpPr>
+        <p:spPr/>
+        <p:txBody>
+          <a:bodyPr/>
+          <a:lstStyle/>
+          <a:p>
+            <a:r>
+              <a:rPr lang="en-US" dirty="0" smtClean="0"/>
+              <a:t>The group worked in sprints, and utilized agile methods we learned. Sample product backlog planning. </a:t>
+            </a:r>
+            <a:endParaRPr lang="en-US" dirty="0" smtClean="0"/>
+          </a:p>
+          <a:p>
+            <a:r>
+              <a:rPr lang="en-US" dirty="0" smtClean="0"/>
+              <a:t>Here’s an example of our sprint backlog</a:t>
+            </a:r>
+            <a:endParaRPr lang="en-US" dirty="0" smtClean="0"/>
+          </a:p>
+        </p:txBody>
+      </p:sp>
+      <p:pic>
+        <p:nvPicPr>
+          <p:cNvPr id="4" name="Picture 3"/>
+          <p:cNvPicPr>
+            <a:picLocks noChangeAspect="1"/>
+          </p:cNvPicPr>
+          <p:nvPr/>
+        </p:nvPicPr>
+        <p:blipFill>
+          <a:blip r:embed="rId2">
+            <a:extLst>
+              <a:ext uri="{28A0092B-C50C-407E-A947-70E740481C1C}">
+                <a14:useLocalDpi xmlns:a14="http://schemas.microsoft.com/office/drawing/2010/main" val="0"/>
+              </a:ext>
+            </a:extLst>
+          </a:blip>
+          <a:stretch>
+            <a:fillRect/>
+          </a:stretch>
+        </p:blipFill>
+        <p:spPr>
+          <a:xfrm>
+            <a:off x="311700" y="2615295"/>
+            <a:ext cx="7866498" cy="1658390"/>
+          </a:xfrm>
+          <a:prstGeom prst="rect">
+            <a:avLst/>
+          </a:prstGeom>
+        </p:spPr>
+      </p:pic>
+    </p:spTree>
+    <p:extLst>
+      <p:ext uri="{BB962C8B-B14F-4D97-AF65-F5344CB8AC3E}">
+        <p14:creationId xmlns:p14="http://schemas.microsoft.com/office/powerpoint/2010/main" val="2543691098"/>
+      </p:ext>
+    </p:extLst>
+  </p:cSld>
+  <p:clrMapOvr>
+    <a:masterClrMapping/>
+  </p:clrMapOvr>
+</p:sld>
+</file>
+
+<file path=ppt/slides/slide5.xml><?xml version="1.0" encoding="utf-8"?>
+<p:sld xmlns:a="http://schemas.openxmlformats.org/drawingml/2006/main" xmlns:r="http://schemas.openxmlformats.org/officeDocument/2006/relationships" xmlns:p="http://schemas.openxmlformats.org/presentationml/2006/main">
+  <p:cSld>
+    <p:spTree>
+      <p:nvGrpSpPr>
+        <p:cNvPr id="1" name=""/>
+        <p:cNvGrpSpPr/>
+        <p:nvPr/>
+      </p:nvGrpSpPr>
+      <p:grpSpPr>
+        <a:xfrm>
+          <a:off x="0" y="0"/>
+          <a:ext cx="0" cy="0"/>
+          <a:chOff x="0" y="0"/>
+          <a:chExt cx="0" cy="0"/>
+        </a:xfrm>
+      </p:grpSpPr>
+      <p:sp>
+        <p:nvSpPr>
+          <p:cNvPr id="2" name="Title 1"/>
+          <p:cNvSpPr>
+            <a:spLocks noGrp="1"/>
+          </p:cNvSpPr>
+          <p:nvPr>
+            <p:ph type="title"/>
+          </p:nvPr>
+        </p:nvSpPr>
+        <p:spPr/>
+        <p:txBody>
+          <a:bodyPr/>
+          <a:lstStyle/>
+          <a:p>
+            <a:r>
+              <a:rPr lang="en-US" dirty="0" smtClean="0"/>
+              <a:t>Problems &amp; </a:t>
+            </a:r>
+            <a:r>
+              <a:rPr lang="en-US" dirty="0" err="1" smtClean="0"/>
+              <a:t>Soultions</a:t>
+            </a:r>
+            <a:endParaRPr lang="en-US" dirty="0"/>
+          </a:p>
+        </p:txBody>
+      </p:sp>
+      <p:sp>
+        <p:nvSpPr>
+          <p:cNvPr id="3" name="Text Placeholder 2"/>
+          <p:cNvSpPr>
+            <a:spLocks noGrp="1"/>
+          </p:cNvSpPr>
+          <p:nvPr>
+            <p:ph type="body" idx="1"/>
+          </p:nvPr>
+        </p:nvSpPr>
+        <p:spPr/>
+        <p:txBody>
+          <a:bodyPr/>
+          <a:lstStyle/>
+          <a:p>
+            <a:r>
+              <a:rPr lang="en-US" dirty="0" smtClean="0"/>
+              <a:t>One of the difficult things about this project that came up in the sprints </a:t>
+            </a:r>
+            <a:r>
+              <a:rPr lang="en-US" dirty="0" err="1" smtClean="0"/>
+              <a:t>consitiaintly</a:t>
+            </a:r>
+            <a:r>
+              <a:rPr lang="en-US" dirty="0" smtClean="0"/>
+              <a:t> was the integration between backend code, database and </a:t>
+            </a:r>
+            <a:r>
+              <a:rPr lang="en-US" dirty="0" err="1" smtClean="0"/>
+              <a:t>gui</a:t>
+            </a:r>
+            <a:r>
+              <a:rPr lang="en-US" dirty="0" smtClean="0"/>
+              <a:t>.</a:t>
+            </a:r>
+          </a:p>
+          <a:p>
+            <a:r>
+              <a:rPr lang="en-US" dirty="0" smtClean="0"/>
+              <a:t>Since everyone knew Java we started with that, but had difficulty finding a good way to integrate it </a:t>
+            </a:r>
+            <a:r>
+              <a:rPr lang="en-US" dirty="0" err="1" smtClean="0"/>
+              <a:t>effiecntly</a:t>
+            </a:r>
+            <a:r>
+              <a:rPr lang="en-US" dirty="0" smtClean="0"/>
+              <a:t> in the web. During our incremental development through sprints, we switch to java script for something more </a:t>
+            </a:r>
+            <a:r>
+              <a:rPr lang="en-US" dirty="0" err="1" smtClean="0"/>
+              <a:t>fesiable</a:t>
+            </a:r>
+            <a:r>
+              <a:rPr lang="en-US" dirty="0" smtClean="0"/>
+              <a:t>. </a:t>
+            </a:r>
+          </a:p>
+          <a:p>
+            <a:endParaRPr lang="en-US" dirty="0" smtClean="0"/>
+          </a:p>
+          <a:p>
+            <a:endParaRPr lang="en-US" dirty="0"/>
+          </a:p>
+          <a:p>
+            <a:r>
+              <a:rPr lang="en-US" dirty="0" smtClean="0"/>
+              <a:t>Scrum </a:t>
+            </a:r>
+            <a:r>
+              <a:rPr lang="en-US" dirty="0"/>
+              <a:t>is one of the widely used Agile Methodologies. In Scrum we do incremental and iterative development and these iterations are termed as Sprints. These Sprints are usually time boxed to 2-4 weeks.</a:t>
+            </a:r>
+          </a:p>
+          <a:p>
+            <a:r>
+              <a:rPr lang="en-US" dirty="0"/>
+              <a:t>Before each Sprint starts, team decides which functionality or user stories (a software system feature specified by the customer) will be incorporated and developed during this Sprint.</a:t>
+            </a:r>
+          </a:p>
+          <a:p>
+            <a:endParaRPr lang="en-US" dirty="0"/>
+          </a:p>
+        </p:txBody>
+      </p:sp>
+    </p:spTree>
+    <p:extLst>
+      <p:ext uri="{BB962C8B-B14F-4D97-AF65-F5344CB8AC3E}">
+        <p14:creationId xmlns:p14="http://schemas.microsoft.com/office/powerpoint/2010/main" val="2042828343"/>
+      </p:ext>
+    </p:extLst>
+  </p:cSld>
+  <p:clrMapOvr>
+    <a:masterClrMapping/>
+  </p:clrMapOvr>
+</p:sld>
+</file>
+
+<file path=ppt/slides/slide6.xml><?xml version="1.0" encoding="utf-8"?>
 <p:sld xmlns:a="http://schemas.openxmlformats.org/drawingml/2006/main" xmlns:r="http://schemas.openxmlformats.org/officeDocument/2006/relationships" xmlns:p="http://schemas.openxmlformats.org/presentationml/2006/main">
   <p:cSld>
     <p:spTree>
@@ -5220,7 +5528,7 @@
 </p:sld>
 </file>
 
-<file path=ppt/slides/slide5.xml><?xml version="1.0" encoding="utf-8"?>
+<file path=ppt/slides/slide7.xml><?xml version="1.0" encoding="utf-8"?>
 <p:sld xmlns:a="http://schemas.openxmlformats.org/drawingml/2006/main" xmlns:r="http://schemas.openxmlformats.org/officeDocument/2006/relationships" xmlns:p="http://schemas.openxmlformats.org/presentationml/2006/main">
   <p:cSld>
     <p:spTree>
@@ -5302,112 +5610,7 @@
 </p:sld>
 </file>
 
-<file path=ppt/slides/slide6.xml><?xml version="1.0" encoding="utf-8"?>
-<p:sld xmlns:a="http://schemas.openxmlformats.org/drawingml/2006/main" xmlns:r="http://schemas.openxmlformats.org/officeDocument/2006/relationships" xmlns:p="http://schemas.openxmlformats.org/presentationml/2006/main">
-  <p:cSld>
-    <p:spTree>
-      <p:nvGrpSpPr>
-        <p:cNvPr id="1" name=""/>
-        <p:cNvGrpSpPr/>
-        <p:nvPr/>
-      </p:nvGrpSpPr>
-      <p:grpSpPr>
-        <a:xfrm>
-          <a:off x="0" y="0"/>
-          <a:ext cx="0" cy="0"/>
-          <a:chOff x="0" y="0"/>
-          <a:chExt cx="0" cy="0"/>
-        </a:xfrm>
-      </p:grpSpPr>
-      <p:sp>
-        <p:nvSpPr>
-          <p:cNvPr id="2" name="Title 1"/>
-          <p:cNvSpPr>
-            <a:spLocks noGrp="1"/>
-          </p:cNvSpPr>
-          <p:nvPr>
-            <p:ph type="title"/>
-          </p:nvPr>
-        </p:nvSpPr>
-        <p:spPr/>
-        <p:txBody>
-          <a:bodyPr/>
-          <a:lstStyle/>
-          <a:p>
-            <a:r>
-              <a:rPr lang="en-US" dirty="0" smtClean="0"/>
-              <a:t>Organization</a:t>
-            </a:r>
-            <a:endParaRPr lang="en-US" dirty="0"/>
-          </a:p>
-        </p:txBody>
-      </p:sp>
-      <p:sp>
-        <p:nvSpPr>
-          <p:cNvPr id="3" name="Text Placeholder 2"/>
-          <p:cNvSpPr>
-            <a:spLocks noGrp="1"/>
-          </p:cNvSpPr>
-          <p:nvPr>
-            <p:ph type="body" idx="1"/>
-          </p:nvPr>
-        </p:nvSpPr>
-        <p:spPr/>
-        <p:txBody>
-          <a:bodyPr/>
-          <a:lstStyle/>
-          <a:p>
-            <a:r>
-              <a:rPr lang="en-US" dirty="0" smtClean="0"/>
-              <a:t>The group worked in sprints, and utilized agile methods we learned. Sample product backlog planning. </a:t>
-            </a:r>
-          </a:p>
-        </p:txBody>
-      </p:sp>
-      <p:pic>
-        <p:nvPicPr>
-          <p:cNvPr id="4" name="Picture 3"/>
-          <p:cNvPicPr>
-            <a:picLocks noChangeAspect="1"/>
-          </p:cNvPicPr>
-          <p:nvPr/>
-        </p:nvPicPr>
-        <p:blipFill>
-          <a:blip r:embed="rId2">
-            <a:extLst>
-              <a:ext uri="{28A0092B-C50C-407E-A947-70E740481C1C}">
-                <a14:useLocalDpi xmlns:a14="http://schemas.microsoft.com/office/drawing/2010/main" val="0"/>
-              </a:ext>
-            </a:extLst>
-          </a:blip>
-          <a:stretch>
-            <a:fillRect/>
-          </a:stretch>
-        </p:blipFill>
-        <p:spPr>
-          <a:xfrm>
-            <a:off x="311700" y="1979755"/>
-            <a:ext cx="7866498" cy="1658390"/>
-          </a:xfrm>
-          <a:prstGeom prst="rect">
-            <a:avLst/>
-          </a:prstGeom>
-        </p:spPr>
-      </p:pic>
-    </p:spTree>
-    <p:extLst>
-      <p:ext uri="{BB962C8B-B14F-4D97-AF65-F5344CB8AC3E}">
-        <p14:creationId xmlns:p14="http://schemas.microsoft.com/office/powerpoint/2010/main" val="2543691098"/>
-      </p:ext>
-    </p:extLst>
-  </p:cSld>
-  <p:clrMapOvr>
-    <a:masterClrMapping/>
-  </p:clrMapOvr>
-</p:sld>
-</file>
-
-<file path=ppt/slides/slide7.xml><?xml version="1.0" encoding="utf-8"?>
+<file path=ppt/slides/slide8.xml><?xml version="1.0" encoding="utf-8"?>
 <p:sld xmlns:a="http://schemas.openxmlformats.org/drawingml/2006/main" xmlns:r="http://schemas.openxmlformats.org/officeDocument/2006/relationships" xmlns:p="http://schemas.openxmlformats.org/presentationml/2006/main">
   <p:cSld>
     <p:spTree>
